--- a/Aula_07_Conceitos_e_tipos_de_empreendedorismo-Caracteristicas do empreendedor--habilidades_atitudes_e_caracteristicas_dos_empreendedores-Oportunidades_de_negocios/Aula_07.pptx
+++ b/Aula_07_Conceitos_e_tipos_de_empreendedorismo-Caracteristicas do empreendedor--habilidades_atitudes_e_caracteristicas_dos_empreendedores-Oportunidades_de_negocios/Aula_07.pptx
@@ -5,17 +5,28 @@
     <p:sldMasterId id="2147483648" r:id="rId1"/>
   </p:sldMasterIdLst>
   <p:notesMasterIdLst>
-    <p:notesMasterId r:id="rId8"/>
+    <p:notesMasterId r:id="rId5"/>
   </p:notesMasterIdLst>
   <p:handoutMasterIdLst>
-    <p:handoutMasterId r:id="rId9"/>
+    <p:handoutMasterId r:id="rId20"/>
   </p:handoutMasterIdLst>
   <p:sldIdLst>
     <p:sldId id="256" r:id="rId3"/>
     <p:sldId id="257" r:id="rId4"/>
-    <p:sldId id="259" r:id="rId5"/>
-    <p:sldId id="260" r:id="rId6"/>
-    <p:sldId id="261" r:id="rId7"/>
+    <p:sldId id="262" r:id="rId6"/>
+    <p:sldId id="263" r:id="rId7"/>
+    <p:sldId id="264" r:id="rId8"/>
+    <p:sldId id="259" r:id="rId9"/>
+    <p:sldId id="265" r:id="rId10"/>
+    <p:sldId id="266" r:id="rId11"/>
+    <p:sldId id="267" r:id="rId12"/>
+    <p:sldId id="268" r:id="rId13"/>
+    <p:sldId id="269" r:id="rId14"/>
+    <p:sldId id="270" r:id="rId15"/>
+    <p:sldId id="271" r:id="rId16"/>
+    <p:sldId id="272" r:id="rId17"/>
+    <p:sldId id="273" r:id="rId18"/>
+    <p:sldId id="261" r:id="rId19"/>
   </p:sldIdLst>
   <p:sldSz cx="12192000" cy="6858000"/>
   <p:notesSz cx="7103745" cy="10234295"/>
@@ -620,6 +631,50 @@
     </a:lvl9pPr>
   </p:notesStyle>
 </p:notesMaster>
+</file>
+
+<file path=ppt/notesSlides/notesSlide1.xml><?xml version="1.0" encoding="utf-8"?>
+<p:notes xmlns:a="http://schemas.openxmlformats.org/drawingml/2006/main" xmlns:r="http://schemas.openxmlformats.org/officeDocument/2006/relationships" xmlns:p="http://schemas.openxmlformats.org/presentationml/2006/main">
+  <p:cSld>
+    <p:spTree>
+      <p:nvGrpSpPr>
+        <p:cNvPr id="1" name=""/>
+        <p:cNvGrpSpPr/>
+        <p:nvPr/>
+      </p:nvGrpSpPr>
+      <p:grpSpPr/>
+      <p:sp>
+        <p:nvSpPr>
+          <p:cNvPr id="2" name="Slide Image Placeholder 1"/>
+          <p:cNvSpPr/>
+          <p:nvPr>
+            <p:ph type="sldImg" idx="2"/>
+          </p:nvPr>
+        </p:nvSpPr>
+        <p:spPr/>
+      </p:sp>
+      <p:sp>
+        <p:nvSpPr>
+          <p:cNvPr id="3" name="Text Placeholder 2"/>
+          <p:cNvSpPr/>
+          <p:nvPr>
+            <p:ph type="body" idx="3"/>
+          </p:nvPr>
+        </p:nvSpPr>
+        <p:spPr/>
+        <p:txBody>
+          <a:bodyPr/>
+          <a:p>
+            <a:endParaRPr lang="en-US"/>
+          </a:p>
+        </p:txBody>
+      </p:sp>
+    </p:spTree>
+  </p:cSld>
+  <p:clrMapOvr>
+    <a:masterClrMapping/>
+  </p:clrMapOvr>
+</p:notes>
 </file>
 
 <file path=ppt/slideLayouts/slideLayout1.xml><?xml version="1.0" encoding="utf-8"?>
@@ -3757,6 +3812,1051 @@
 </p:sld>
 </file>
 
+<file path=ppt/slides/slide10.xml><?xml version="1.0" encoding="utf-8"?>
+<p:sld xmlns:a="http://schemas.openxmlformats.org/drawingml/2006/main" xmlns:r="http://schemas.openxmlformats.org/officeDocument/2006/relationships" xmlns:p="http://schemas.openxmlformats.org/presentationml/2006/main">
+  <p:cSld>
+    <p:bg>
+      <p:bgPr>
+        <a:blipFill>
+          <a:blip r:embed="rId1"/>
+          <a:stretch>
+            <a:fillRect/>
+          </a:stretch>
+        </a:blipFill>
+        <a:effectLst/>
+      </p:bgPr>
+    </p:bg>
+    <p:spTree>
+      <p:nvGrpSpPr>
+        <p:cNvPr id="1" name=""/>
+        <p:cNvGrpSpPr/>
+        <p:nvPr/>
+      </p:nvGrpSpPr>
+      <p:grpSpPr/>
+      <p:pic>
+        <p:nvPicPr>
+          <p:cNvPr id="4" name="Picture 3" descr="background"/>
+          <p:cNvPicPr>
+            <a:picLocks noChangeAspect="1"/>
+          </p:cNvPicPr>
+          <p:nvPr/>
+        </p:nvPicPr>
+        <p:blipFill>
+          <a:blip r:embed="rId1"/>
+          <a:stretch>
+            <a:fillRect/>
+          </a:stretch>
+        </p:blipFill>
+        <p:spPr>
+          <a:xfrm>
+            <a:off x="0" y="0"/>
+            <a:ext cx="12191365" cy="6858000"/>
+          </a:xfrm>
+          <a:prstGeom prst="rect">
+            <a:avLst/>
+          </a:prstGeom>
+        </p:spPr>
+      </p:pic>
+      <p:sp>
+        <p:nvSpPr>
+          <p:cNvPr id="2" name="Text Box 1"/>
+          <p:cNvSpPr txBox="1"/>
+          <p:nvPr/>
+        </p:nvSpPr>
+        <p:spPr>
+          <a:xfrm>
+            <a:off x="0" y="0"/>
+            <a:ext cx="12192635" cy="3138170"/>
+          </a:xfrm>
+          <a:prstGeom prst="rect">
+            <a:avLst/>
+          </a:prstGeom>
+          <a:noFill/>
+        </p:spPr>
+        <p:txBody>
+          <a:bodyPr wrap="square" rtlCol="0">
+            <a:spAutoFit/>
+          </a:bodyPr>
+          <a:p>
+            <a:pPr algn="l"/>
+            <a:r>
+              <a:rPr lang="pt-PT" altLang="en-US">
+                <a:sym typeface="+mn-ea"/>
+              </a:rPr>
+              <a:t>          </a:t>
+            </a:r>
+            <a:r>
+              <a:rPr lang="en-US">
+                <a:sym typeface="+mn-ea"/>
+              </a:rPr>
+              <a:t>Caracteristicas do empreendedor: habilidades, atitudes e caracteristicas dos empreendedores</a:t>
+            </a:r>
+            <a:endParaRPr lang="en-US"/>
+          </a:p>
+          <a:p>
+            <a:pPr algn="l"/>
+            <a:endParaRPr lang="en-US"/>
+          </a:p>
+          <a:p>
+            <a:pPr algn="l"/>
+            <a:r>
+              <a:rPr lang="en-US">
+                <a:sym typeface="+mn-ea"/>
+              </a:rPr>
+              <a:t>Desenvolvimento de Aplicativos e Softwares:</a:t>
+            </a:r>
+            <a:endParaRPr lang="en-US">
+              <a:sym typeface="+mn-ea"/>
+            </a:endParaRPr>
+          </a:p>
+          <a:p>
+            <a:pPr algn="l"/>
+            <a:endParaRPr lang="en-US">
+              <a:sym typeface="+mn-ea"/>
+            </a:endParaRPr>
+          </a:p>
+          <a:p>
+            <a:pPr algn="l"/>
+            <a:r>
+              <a:rPr lang="en-US">
+                <a:sym typeface="+mn-ea"/>
+              </a:rPr>
+              <a:t>Criação de Aplicativos Móveis: Desenvolver aplicativos para dispositivos móveis (iOS, Android) que atendam necessidades específicas dos usuários, focando na usabilidade e experiência do usuário.</a:t>
+            </a:r>
+            <a:endParaRPr lang="en-US">
+              <a:sym typeface="+mn-ea"/>
+            </a:endParaRPr>
+          </a:p>
+          <a:p>
+            <a:pPr algn="l"/>
+            <a:endParaRPr lang="en-US">
+              <a:sym typeface="+mn-ea"/>
+            </a:endParaRPr>
+          </a:p>
+          <a:p>
+            <a:pPr algn="l"/>
+            <a:r>
+              <a:rPr lang="en-US">
+                <a:sym typeface="+mn-ea"/>
+              </a:rPr>
+              <a:t>Sistemas Web e Desktop: Criar softwares abrangentes, desde sistemas de gerenciamento até ferramentas personalizadas, para empresas, organizações ou clientes individuais, visando eficiência operacional e soluções adaptadas às necessidades específicas.</a:t>
+            </a:r>
+            <a:endParaRPr lang="en-US">
+              <a:sym typeface="+mn-ea"/>
+            </a:endParaRPr>
+          </a:p>
+          <a:p>
+            <a:pPr algn="l"/>
+            <a:endParaRPr lang="en-US"/>
+          </a:p>
+        </p:txBody>
+      </p:sp>
+    </p:spTree>
+  </p:cSld>
+  <p:clrMapOvr>
+    <a:masterClrMapping/>
+  </p:clrMapOvr>
+</p:sld>
+</file>
+
+<file path=ppt/slides/slide11.xml><?xml version="1.0" encoding="utf-8"?>
+<p:sld xmlns:a="http://schemas.openxmlformats.org/drawingml/2006/main" xmlns:r="http://schemas.openxmlformats.org/officeDocument/2006/relationships" xmlns:p="http://schemas.openxmlformats.org/presentationml/2006/main">
+  <p:cSld>
+    <p:bg>
+      <p:bgPr>
+        <a:blipFill>
+          <a:blip r:embed="rId1"/>
+          <a:stretch>
+            <a:fillRect/>
+          </a:stretch>
+        </a:blipFill>
+        <a:effectLst/>
+      </p:bgPr>
+    </p:bg>
+    <p:spTree>
+      <p:nvGrpSpPr>
+        <p:cNvPr id="1" name=""/>
+        <p:cNvGrpSpPr/>
+        <p:nvPr/>
+      </p:nvGrpSpPr>
+      <p:grpSpPr/>
+      <p:pic>
+        <p:nvPicPr>
+          <p:cNvPr id="4" name="Picture 3" descr="background"/>
+          <p:cNvPicPr>
+            <a:picLocks noChangeAspect="1"/>
+          </p:cNvPicPr>
+          <p:nvPr/>
+        </p:nvPicPr>
+        <p:blipFill>
+          <a:blip r:embed="rId1"/>
+          <a:stretch>
+            <a:fillRect/>
+          </a:stretch>
+        </p:blipFill>
+        <p:spPr>
+          <a:xfrm>
+            <a:off x="0" y="0"/>
+            <a:ext cx="12191365" cy="6858000"/>
+          </a:xfrm>
+          <a:prstGeom prst="rect">
+            <a:avLst/>
+          </a:prstGeom>
+        </p:spPr>
+      </p:pic>
+      <p:sp>
+        <p:nvSpPr>
+          <p:cNvPr id="2" name="Text Box 1"/>
+          <p:cNvSpPr txBox="1"/>
+          <p:nvPr/>
+        </p:nvSpPr>
+        <p:spPr>
+          <a:xfrm>
+            <a:off x="0" y="0"/>
+            <a:ext cx="12192635" cy="3138170"/>
+          </a:xfrm>
+          <a:prstGeom prst="rect">
+            <a:avLst/>
+          </a:prstGeom>
+          <a:noFill/>
+        </p:spPr>
+        <p:txBody>
+          <a:bodyPr wrap="square" rtlCol="0">
+            <a:spAutoFit/>
+          </a:bodyPr>
+          <a:p>
+            <a:pPr algn="l"/>
+            <a:r>
+              <a:rPr lang="pt-PT" altLang="en-US">
+                <a:sym typeface="+mn-ea"/>
+              </a:rPr>
+              <a:t>           </a:t>
+            </a:r>
+            <a:r>
+              <a:rPr lang="en-US">
+                <a:sym typeface="+mn-ea"/>
+              </a:rPr>
+              <a:t>Caracteristicas do empreendedor: habilidades, atitudes e caracteristicas dos empreendedores</a:t>
+            </a:r>
+            <a:endParaRPr lang="en-US"/>
+          </a:p>
+          <a:p>
+            <a:pPr algn="l"/>
+            <a:endParaRPr lang="en-US"/>
+          </a:p>
+          <a:p>
+            <a:pPr algn="l"/>
+            <a:endParaRPr lang="en-US">
+              <a:sym typeface="+mn-ea"/>
+            </a:endParaRPr>
+          </a:p>
+          <a:p>
+            <a:pPr algn="l"/>
+            <a:r>
+              <a:rPr lang="en-US">
+                <a:sym typeface="+mn-ea"/>
+              </a:rPr>
+              <a:t>Freelancing e Trabalho Remoto:</a:t>
+            </a:r>
+            <a:endParaRPr lang="en-US">
+              <a:sym typeface="+mn-ea"/>
+            </a:endParaRPr>
+          </a:p>
+          <a:p>
+            <a:pPr algn="l"/>
+            <a:endParaRPr lang="en-US">
+              <a:sym typeface="+mn-ea"/>
+            </a:endParaRPr>
+          </a:p>
+          <a:p>
+            <a:pPr algn="l"/>
+            <a:r>
+              <a:rPr lang="en-US">
+                <a:sym typeface="+mn-ea"/>
+              </a:rPr>
+              <a:t>Freelancer de Desenvolvimento: Oferecer serviços como desenvolvedor em plataformas freelancers, participando em projetos sob demanda e construindo uma carteira diversificada de clientes.</a:t>
+            </a:r>
+            <a:endParaRPr lang="en-US">
+              <a:sym typeface="+mn-ea"/>
+            </a:endParaRPr>
+          </a:p>
+          <a:p>
+            <a:pPr algn="l"/>
+            <a:endParaRPr lang="en-US">
+              <a:sym typeface="+mn-ea"/>
+            </a:endParaRPr>
+          </a:p>
+          <a:p>
+            <a:pPr algn="l"/>
+            <a:r>
+              <a:rPr lang="en-US">
+                <a:sym typeface="+mn-ea"/>
+              </a:rPr>
+              <a:t>Trabalho Remoto: Aproveitar a flexibilidade do trabalho remoto para colaborar com empresas e startups de qualquer lugar do mundo, explorando oportunidades em equipes virtuais e tirando vantagem da globalização digital.</a:t>
+            </a:r>
+            <a:endParaRPr lang="en-US">
+              <a:sym typeface="+mn-ea"/>
+            </a:endParaRPr>
+          </a:p>
+          <a:p>
+            <a:pPr algn="l"/>
+            <a:endParaRPr lang="en-US"/>
+          </a:p>
+        </p:txBody>
+      </p:sp>
+    </p:spTree>
+  </p:cSld>
+  <p:clrMapOvr>
+    <a:masterClrMapping/>
+  </p:clrMapOvr>
+</p:sld>
+</file>
+
+<file path=ppt/slides/slide12.xml><?xml version="1.0" encoding="utf-8"?>
+<p:sld xmlns:a="http://schemas.openxmlformats.org/drawingml/2006/main" xmlns:r="http://schemas.openxmlformats.org/officeDocument/2006/relationships" xmlns:p="http://schemas.openxmlformats.org/presentationml/2006/main">
+  <p:cSld>
+    <p:bg>
+      <p:bgPr>
+        <a:blipFill>
+          <a:blip r:embed="rId1"/>
+          <a:stretch>
+            <a:fillRect/>
+          </a:stretch>
+        </a:blipFill>
+        <a:effectLst/>
+      </p:bgPr>
+    </p:bg>
+    <p:spTree>
+      <p:nvGrpSpPr>
+        <p:cNvPr id="1" name=""/>
+        <p:cNvGrpSpPr/>
+        <p:nvPr/>
+      </p:nvGrpSpPr>
+      <p:grpSpPr/>
+      <p:pic>
+        <p:nvPicPr>
+          <p:cNvPr id="4" name="Picture 3" descr="background"/>
+          <p:cNvPicPr>
+            <a:picLocks noChangeAspect="1"/>
+          </p:cNvPicPr>
+          <p:nvPr/>
+        </p:nvPicPr>
+        <p:blipFill>
+          <a:blip r:embed="rId1"/>
+          <a:stretch>
+            <a:fillRect/>
+          </a:stretch>
+        </p:blipFill>
+        <p:spPr>
+          <a:xfrm>
+            <a:off x="0" y="0"/>
+            <a:ext cx="12191365" cy="6858000"/>
+          </a:xfrm>
+          <a:prstGeom prst="rect">
+            <a:avLst/>
+          </a:prstGeom>
+        </p:spPr>
+      </p:pic>
+      <p:sp>
+        <p:nvSpPr>
+          <p:cNvPr id="2" name="Text Box 1"/>
+          <p:cNvSpPr txBox="1"/>
+          <p:nvPr/>
+        </p:nvSpPr>
+        <p:spPr>
+          <a:xfrm>
+            <a:off x="0" y="0"/>
+            <a:ext cx="12192635" cy="3415030"/>
+          </a:xfrm>
+          <a:prstGeom prst="rect">
+            <a:avLst/>
+          </a:prstGeom>
+          <a:noFill/>
+        </p:spPr>
+        <p:txBody>
+          <a:bodyPr wrap="square" rtlCol="0">
+            <a:spAutoFit/>
+          </a:bodyPr>
+          <a:p>
+            <a:pPr algn="l"/>
+            <a:r>
+              <a:rPr lang="pt-PT" altLang="en-US">
+                <a:sym typeface="+mn-ea"/>
+              </a:rPr>
+              <a:t>         </a:t>
+            </a:r>
+            <a:r>
+              <a:rPr lang="en-US">
+                <a:sym typeface="+mn-ea"/>
+              </a:rPr>
+              <a:t>Caracteristicas do empreendedor: habilidades, atitudes e caracteristicas dos empreendedores</a:t>
+            </a:r>
+            <a:endParaRPr lang="en-US"/>
+          </a:p>
+          <a:p>
+            <a:pPr algn="l"/>
+            <a:endParaRPr lang="en-US"/>
+          </a:p>
+          <a:p>
+            <a:pPr algn="l"/>
+            <a:endParaRPr lang="en-US">
+              <a:sym typeface="+mn-ea"/>
+            </a:endParaRPr>
+          </a:p>
+          <a:p>
+            <a:pPr algn="l"/>
+            <a:r>
+              <a:rPr lang="en-US">
+                <a:sym typeface="+mn-ea"/>
+              </a:rPr>
+              <a:t>Educação e Tutoria:</a:t>
+            </a:r>
+            <a:endParaRPr lang="en-US">
+              <a:sym typeface="+mn-ea"/>
+            </a:endParaRPr>
+          </a:p>
+          <a:p>
+            <a:pPr algn="l"/>
+            <a:endParaRPr lang="en-US">
+              <a:sym typeface="+mn-ea"/>
+            </a:endParaRPr>
+          </a:p>
+          <a:p>
+            <a:pPr algn="l"/>
+            <a:r>
+              <a:rPr lang="en-US">
+                <a:sym typeface="+mn-ea"/>
+              </a:rPr>
+              <a:t>Cursos Online e Tutoriais: Criar cursos online, tutoriais em vídeo ou blogs para ensinar programação a outros estudantes, compartilhando conhecimento de forma acessível e prática.</a:t>
+            </a:r>
+            <a:endParaRPr lang="en-US">
+              <a:sym typeface="+mn-ea"/>
+            </a:endParaRPr>
+          </a:p>
+          <a:p>
+            <a:pPr algn="l"/>
+            <a:endParaRPr lang="en-US">
+              <a:sym typeface="+mn-ea"/>
+            </a:endParaRPr>
+          </a:p>
+          <a:p>
+            <a:pPr algn="l"/>
+            <a:r>
+              <a:rPr lang="en-US">
+                <a:sym typeface="+mn-ea"/>
+              </a:rPr>
+              <a:t>Mentoria: Oferecer orientação e suporte a iniciantes na área de programação, compartilhando experiências, fornecendo conselhos personalizados e auxiliando no desenvolvimento de habilidades técnicas e profissionais.</a:t>
+            </a:r>
+            <a:endParaRPr lang="en-US">
+              <a:sym typeface="+mn-ea"/>
+            </a:endParaRPr>
+          </a:p>
+          <a:p>
+            <a:pPr algn="l"/>
+            <a:endParaRPr lang="en-US"/>
+          </a:p>
+          <a:p>
+            <a:pPr algn="l"/>
+            <a:endParaRPr lang="en-US"/>
+          </a:p>
+        </p:txBody>
+      </p:sp>
+    </p:spTree>
+  </p:cSld>
+  <p:clrMapOvr>
+    <a:masterClrMapping/>
+  </p:clrMapOvr>
+</p:sld>
+</file>
+
+<file path=ppt/slides/slide13.xml><?xml version="1.0" encoding="utf-8"?>
+<p:sld xmlns:a="http://schemas.openxmlformats.org/drawingml/2006/main" xmlns:r="http://schemas.openxmlformats.org/officeDocument/2006/relationships" xmlns:p="http://schemas.openxmlformats.org/presentationml/2006/main">
+  <p:cSld>
+    <p:bg>
+      <p:bgPr>
+        <a:blipFill>
+          <a:blip r:embed="rId1"/>
+          <a:stretch>
+            <a:fillRect/>
+          </a:stretch>
+        </a:blipFill>
+        <a:effectLst/>
+      </p:bgPr>
+    </p:bg>
+    <p:spTree>
+      <p:nvGrpSpPr>
+        <p:cNvPr id="1" name=""/>
+        <p:cNvGrpSpPr/>
+        <p:nvPr/>
+      </p:nvGrpSpPr>
+      <p:grpSpPr/>
+      <p:pic>
+        <p:nvPicPr>
+          <p:cNvPr id="4" name="Picture 3" descr="background"/>
+          <p:cNvPicPr>
+            <a:picLocks noChangeAspect="1"/>
+          </p:cNvPicPr>
+          <p:nvPr/>
+        </p:nvPicPr>
+        <p:blipFill>
+          <a:blip r:embed="rId1"/>
+          <a:stretch>
+            <a:fillRect/>
+          </a:stretch>
+        </p:blipFill>
+        <p:spPr>
+          <a:xfrm>
+            <a:off x="0" y="0"/>
+            <a:ext cx="12191365" cy="6858000"/>
+          </a:xfrm>
+          <a:prstGeom prst="rect">
+            <a:avLst/>
+          </a:prstGeom>
+        </p:spPr>
+      </p:pic>
+      <p:sp>
+        <p:nvSpPr>
+          <p:cNvPr id="2" name="Text Box 1"/>
+          <p:cNvSpPr txBox="1"/>
+          <p:nvPr/>
+        </p:nvSpPr>
+        <p:spPr>
+          <a:xfrm>
+            <a:off x="0" y="0"/>
+            <a:ext cx="12192635" cy="3692525"/>
+          </a:xfrm>
+          <a:prstGeom prst="rect">
+            <a:avLst/>
+          </a:prstGeom>
+          <a:noFill/>
+        </p:spPr>
+        <p:txBody>
+          <a:bodyPr wrap="square" rtlCol="0">
+            <a:spAutoFit/>
+          </a:bodyPr>
+          <a:p>
+            <a:pPr algn="l"/>
+            <a:r>
+              <a:rPr lang="pt-PT" altLang="en-US">
+                <a:sym typeface="+mn-ea"/>
+              </a:rPr>
+              <a:t>            </a:t>
+            </a:r>
+            <a:r>
+              <a:rPr lang="en-US">
+                <a:sym typeface="+mn-ea"/>
+              </a:rPr>
+              <a:t>Caracteristicas do empreendedor: habilidades, atitudes e caracteristicas dos empreendedores</a:t>
+            </a:r>
+            <a:endParaRPr lang="en-US"/>
+          </a:p>
+          <a:p>
+            <a:pPr algn="l"/>
+            <a:endParaRPr lang="en-US"/>
+          </a:p>
+          <a:p>
+            <a:pPr algn="l"/>
+            <a:endParaRPr lang="en-US">
+              <a:sym typeface="+mn-ea"/>
+            </a:endParaRPr>
+          </a:p>
+          <a:p>
+            <a:pPr algn="l"/>
+            <a:r>
+              <a:rPr lang="en-US">
+                <a:sym typeface="+mn-ea"/>
+              </a:rPr>
+              <a:t>Empreendedorismo Digital:</a:t>
+            </a:r>
+            <a:endParaRPr lang="en-US">
+              <a:sym typeface="+mn-ea"/>
+            </a:endParaRPr>
+          </a:p>
+          <a:p>
+            <a:pPr algn="l"/>
+            <a:endParaRPr lang="en-US">
+              <a:sym typeface="+mn-ea"/>
+            </a:endParaRPr>
+          </a:p>
+          <a:p>
+            <a:pPr algn="l"/>
+            <a:r>
+              <a:rPr lang="en-US">
+                <a:sym typeface="+mn-ea"/>
+              </a:rPr>
+              <a:t>E-commerce: Criar sua própria loja online, vendendo produtos físicos ou digitais, explorando estratégias de marketing digital para atrair clientes e impulsionar vendas.</a:t>
+            </a:r>
+            <a:endParaRPr lang="en-US">
+              <a:sym typeface="+mn-ea"/>
+            </a:endParaRPr>
+          </a:p>
+          <a:p>
+            <a:pPr algn="l"/>
+            <a:endParaRPr lang="en-US">
+              <a:sym typeface="+mn-ea"/>
+            </a:endParaRPr>
+          </a:p>
+          <a:p>
+            <a:pPr algn="l"/>
+            <a:r>
+              <a:rPr lang="en-US">
+                <a:sym typeface="+mn-ea"/>
+              </a:rPr>
+              <a:t>Desenvolvimento de Plataformas: Construir plataformas web ou aplicativos que atendam a nichos específicos, como marketplace de nicho, redes sociais temáticas ou ferramentas de produtividade, aproveitando oportunidades no ambiente digital.</a:t>
+            </a:r>
+            <a:endParaRPr lang="en-US">
+              <a:sym typeface="+mn-ea"/>
+            </a:endParaRPr>
+          </a:p>
+          <a:p>
+            <a:pPr algn="l"/>
+            <a:endParaRPr lang="en-US"/>
+          </a:p>
+          <a:p>
+            <a:pPr algn="l"/>
+            <a:endParaRPr lang="en-US"/>
+          </a:p>
+        </p:txBody>
+      </p:sp>
+    </p:spTree>
+  </p:cSld>
+  <p:clrMapOvr>
+    <a:masterClrMapping/>
+  </p:clrMapOvr>
+</p:sld>
+</file>
+
+<file path=ppt/slides/slide14.xml><?xml version="1.0" encoding="utf-8"?>
+<p:sld xmlns:a="http://schemas.openxmlformats.org/drawingml/2006/main" xmlns:r="http://schemas.openxmlformats.org/officeDocument/2006/relationships" xmlns:p="http://schemas.openxmlformats.org/presentationml/2006/main">
+  <p:cSld>
+    <p:bg>
+      <p:bgPr>
+        <a:blipFill>
+          <a:blip r:embed="rId1"/>
+          <a:stretch>
+            <a:fillRect/>
+          </a:stretch>
+        </a:blipFill>
+        <a:effectLst/>
+      </p:bgPr>
+    </p:bg>
+    <p:spTree>
+      <p:nvGrpSpPr>
+        <p:cNvPr id="1" name=""/>
+        <p:cNvGrpSpPr/>
+        <p:nvPr/>
+      </p:nvGrpSpPr>
+      <p:grpSpPr/>
+      <p:pic>
+        <p:nvPicPr>
+          <p:cNvPr id="4" name="Picture 3" descr="background"/>
+          <p:cNvPicPr>
+            <a:picLocks noChangeAspect="1"/>
+          </p:cNvPicPr>
+          <p:nvPr/>
+        </p:nvPicPr>
+        <p:blipFill>
+          <a:blip r:embed="rId1"/>
+          <a:stretch>
+            <a:fillRect/>
+          </a:stretch>
+        </p:blipFill>
+        <p:spPr>
+          <a:xfrm>
+            <a:off x="0" y="0"/>
+            <a:ext cx="12191365" cy="6858000"/>
+          </a:xfrm>
+          <a:prstGeom prst="rect">
+            <a:avLst/>
+          </a:prstGeom>
+        </p:spPr>
+      </p:pic>
+      <p:sp>
+        <p:nvSpPr>
+          <p:cNvPr id="2" name="Text Box 1"/>
+          <p:cNvSpPr txBox="1"/>
+          <p:nvPr/>
+        </p:nvSpPr>
+        <p:spPr>
+          <a:xfrm>
+            <a:off x="0" y="0"/>
+            <a:ext cx="12192635" cy="2861310"/>
+          </a:xfrm>
+          <a:prstGeom prst="rect">
+            <a:avLst/>
+          </a:prstGeom>
+          <a:noFill/>
+        </p:spPr>
+        <p:txBody>
+          <a:bodyPr wrap="square" rtlCol="0">
+            <a:spAutoFit/>
+          </a:bodyPr>
+          <a:p>
+            <a:pPr algn="l"/>
+            <a:r>
+              <a:rPr lang="pt-PT" altLang="en-US">
+                <a:sym typeface="+mn-ea"/>
+              </a:rPr>
+              <a:t>          </a:t>
+            </a:r>
+            <a:r>
+              <a:rPr lang="en-US">
+                <a:sym typeface="+mn-ea"/>
+              </a:rPr>
+              <a:t>Caracteristicas do empreendedor: habilidades, atitudes e caracteristicas dos empreendedores</a:t>
+            </a:r>
+            <a:endParaRPr lang="en-US"/>
+          </a:p>
+          <a:p>
+            <a:pPr algn="l"/>
+            <a:endParaRPr lang="en-US"/>
+          </a:p>
+          <a:p>
+            <a:pPr algn="l"/>
+            <a:endParaRPr lang="en-US">
+              <a:sym typeface="+mn-ea"/>
+            </a:endParaRPr>
+          </a:p>
+          <a:p>
+            <a:pPr algn="l"/>
+            <a:r>
+              <a:rPr lang="en-US">
+                <a:sym typeface="+mn-ea"/>
+              </a:rPr>
+              <a:t>Startups e Inovação:</a:t>
+            </a:r>
+            <a:endParaRPr lang="en-US">
+              <a:sym typeface="+mn-ea"/>
+            </a:endParaRPr>
+          </a:p>
+          <a:p>
+            <a:pPr algn="l"/>
+            <a:endParaRPr lang="en-US">
+              <a:sym typeface="+mn-ea"/>
+            </a:endParaRPr>
+          </a:p>
+          <a:p>
+            <a:pPr algn="l"/>
+            <a:r>
+              <a:rPr lang="en-US">
+                <a:sym typeface="+mn-ea"/>
+              </a:rPr>
+              <a:t>Ideias Inovadoras: Identificar problemas não resolvidos e criar soluções tecnológicas inovadoras, fundamentais para o desenvolvimento de startups bem-sucedidas.</a:t>
+            </a:r>
+            <a:endParaRPr lang="en-US">
+              <a:sym typeface="+mn-ea"/>
+            </a:endParaRPr>
+          </a:p>
+          <a:p>
+            <a:pPr algn="l"/>
+            <a:endParaRPr lang="en-US">
+              <a:sym typeface="+mn-ea"/>
+            </a:endParaRPr>
+          </a:p>
+          <a:p>
+            <a:pPr algn="l"/>
+            <a:r>
+              <a:rPr lang="en-US">
+                <a:sym typeface="+mn-ea"/>
+              </a:rPr>
+              <a:t>Participação em Startups: Juntar-se a startups como desenvolvedor fundador ou membro da equipe técnica, contribuindo para o crescimento e sucesso da empresa por meio de habilidades técnicas e visão empreendedora.</a:t>
+            </a:r>
+            <a:endParaRPr lang="en-US">
+              <a:sym typeface="+mn-ea"/>
+            </a:endParaRPr>
+          </a:p>
+        </p:txBody>
+      </p:sp>
+    </p:spTree>
+  </p:cSld>
+  <p:clrMapOvr>
+    <a:masterClrMapping/>
+  </p:clrMapOvr>
+</p:sld>
+</file>
+
+<file path=ppt/slides/slide15.xml><?xml version="1.0" encoding="utf-8"?>
+<p:sld xmlns:a="http://schemas.openxmlformats.org/drawingml/2006/main" xmlns:r="http://schemas.openxmlformats.org/officeDocument/2006/relationships" xmlns:p="http://schemas.openxmlformats.org/presentationml/2006/main">
+  <p:cSld>
+    <p:bg>
+      <p:bgPr>
+        <a:blipFill>
+          <a:blip r:embed="rId1"/>
+          <a:stretch>
+            <a:fillRect/>
+          </a:stretch>
+        </a:blipFill>
+        <a:effectLst/>
+      </p:bgPr>
+    </p:bg>
+    <p:spTree>
+      <p:nvGrpSpPr>
+        <p:cNvPr id="1" name=""/>
+        <p:cNvGrpSpPr/>
+        <p:nvPr/>
+      </p:nvGrpSpPr>
+      <p:grpSpPr/>
+      <p:pic>
+        <p:nvPicPr>
+          <p:cNvPr id="4" name="Picture 3" descr="background"/>
+          <p:cNvPicPr>
+            <a:picLocks noChangeAspect="1"/>
+          </p:cNvPicPr>
+          <p:nvPr/>
+        </p:nvPicPr>
+        <p:blipFill>
+          <a:blip r:embed="rId1"/>
+          <a:stretch>
+            <a:fillRect/>
+          </a:stretch>
+        </p:blipFill>
+        <p:spPr>
+          <a:xfrm>
+            <a:off x="0" y="0"/>
+            <a:ext cx="12191365" cy="6858000"/>
+          </a:xfrm>
+          <a:prstGeom prst="rect">
+            <a:avLst/>
+          </a:prstGeom>
+        </p:spPr>
+      </p:pic>
+      <p:sp>
+        <p:nvSpPr>
+          <p:cNvPr id="2" name="Text Box 1"/>
+          <p:cNvSpPr txBox="1"/>
+          <p:nvPr/>
+        </p:nvSpPr>
+        <p:spPr>
+          <a:xfrm>
+            <a:off x="0" y="0"/>
+            <a:ext cx="12192635" cy="2584450"/>
+          </a:xfrm>
+          <a:prstGeom prst="rect">
+            <a:avLst/>
+          </a:prstGeom>
+          <a:noFill/>
+        </p:spPr>
+        <p:txBody>
+          <a:bodyPr wrap="square" rtlCol="0">
+            <a:spAutoFit/>
+          </a:bodyPr>
+          <a:p>
+            <a:pPr algn="l"/>
+            <a:r>
+              <a:rPr lang="pt-PT" altLang="en-US">
+                <a:sym typeface="+mn-ea"/>
+              </a:rPr>
+              <a:t>           </a:t>
+            </a:r>
+            <a:r>
+              <a:rPr lang="en-US">
+                <a:sym typeface="+mn-ea"/>
+              </a:rPr>
+              <a:t>Caracteristicas do empreendedor: habilidades, atitudes e caracteristicas dos empreendedores</a:t>
+            </a:r>
+            <a:endParaRPr lang="en-US"/>
+          </a:p>
+          <a:p>
+            <a:pPr algn="l"/>
+            <a:endParaRPr lang="en-US"/>
+          </a:p>
+          <a:p>
+            <a:pPr algn="l"/>
+            <a:endParaRPr lang="en-US">
+              <a:sym typeface="+mn-ea"/>
+            </a:endParaRPr>
+          </a:p>
+          <a:p>
+            <a:pPr algn="l"/>
+            <a:r>
+              <a:rPr lang="en-US">
+                <a:sym typeface="+mn-ea"/>
+              </a:rPr>
+              <a:t>Pesquisa e Desenvolvimento:</a:t>
+            </a:r>
+            <a:endParaRPr lang="en-US">
+              <a:sym typeface="+mn-ea"/>
+            </a:endParaRPr>
+          </a:p>
+          <a:p>
+            <a:pPr algn="l"/>
+            <a:endParaRPr lang="en-US">
+              <a:sym typeface="+mn-ea"/>
+            </a:endParaRPr>
+          </a:p>
+          <a:p>
+            <a:pPr algn="l"/>
+            <a:r>
+              <a:rPr lang="en-US">
+                <a:sym typeface="+mn-ea"/>
+              </a:rPr>
+              <a:t>Exploração Tecnológica: Trabalhar em projetos de pesquisa e desenvolvimento, especialmente em empresas que investem em experimentos de alto risco e alto potencial de retorno. Isso envolve explorar novas tecnologias, conceber inovações e contribuir para o avanço do conhecimento técnico.</a:t>
+            </a:r>
+            <a:endParaRPr lang="en-US">
+              <a:sym typeface="+mn-ea"/>
+            </a:endParaRPr>
+          </a:p>
+          <a:p>
+            <a:pPr algn="l"/>
+            <a:endParaRPr lang="en-US"/>
+          </a:p>
+        </p:txBody>
+      </p:sp>
+    </p:spTree>
+  </p:cSld>
+  <p:clrMapOvr>
+    <a:masterClrMapping/>
+  </p:clrMapOvr>
+</p:sld>
+</file>
+
+<file path=ppt/slides/slide16.xml><?xml version="1.0" encoding="utf-8"?>
+<p:sld xmlns:a="http://schemas.openxmlformats.org/drawingml/2006/main" xmlns:r="http://schemas.openxmlformats.org/officeDocument/2006/relationships" xmlns:p="http://schemas.openxmlformats.org/presentationml/2006/main">
+  <p:cSld>
+    <p:bg>
+      <p:bgPr>
+        <a:blipFill>
+          <a:blip r:embed="rId1"/>
+          <a:stretch>
+            <a:fillRect/>
+          </a:stretch>
+        </a:blipFill>
+        <a:effectLst/>
+      </p:bgPr>
+    </p:bg>
+    <p:spTree>
+      <p:nvGrpSpPr>
+        <p:cNvPr id="1" name=""/>
+        <p:cNvGrpSpPr/>
+        <p:nvPr/>
+      </p:nvGrpSpPr>
+      <p:grpSpPr/>
+      <p:pic>
+        <p:nvPicPr>
+          <p:cNvPr id="4" name="Picture 3" descr="background"/>
+          <p:cNvPicPr>
+            <a:picLocks noChangeAspect="1"/>
+          </p:cNvPicPr>
+          <p:nvPr/>
+        </p:nvPicPr>
+        <p:blipFill>
+          <a:blip r:embed="rId1"/>
+          <a:stretch>
+            <a:fillRect/>
+          </a:stretch>
+        </p:blipFill>
+        <p:spPr>
+          <a:xfrm>
+            <a:off x="0" y="0"/>
+            <a:ext cx="12191365" cy="6858000"/>
+          </a:xfrm>
+          <a:prstGeom prst="rect">
+            <a:avLst/>
+          </a:prstGeom>
+        </p:spPr>
+      </p:pic>
+      <p:sp>
+        <p:nvSpPr>
+          <p:cNvPr id="2" name="Text Box 1"/>
+          <p:cNvSpPr txBox="1"/>
+          <p:nvPr/>
+        </p:nvSpPr>
+        <p:spPr>
+          <a:xfrm>
+            <a:off x="0" y="0"/>
+            <a:ext cx="12192635" cy="5354320"/>
+          </a:xfrm>
+          <a:prstGeom prst="rect">
+            <a:avLst/>
+          </a:prstGeom>
+          <a:noFill/>
+        </p:spPr>
+        <p:txBody>
+          <a:bodyPr wrap="square" rtlCol="0">
+            <a:spAutoFit/>
+          </a:bodyPr>
+          <a:p>
+            <a:pPr algn="l"/>
+            <a:endParaRPr lang="en-US"/>
+          </a:p>
+          <a:p>
+            <a:pPr algn="l"/>
+            <a:r>
+              <a:rPr lang="pt-PT" altLang="en-US"/>
+              <a:t>                                                                            Insights do Livro</a:t>
+            </a:r>
+            <a:endParaRPr lang="en-US"/>
+          </a:p>
+          <a:p>
+            <a:pPr algn="l"/>
+            <a:endParaRPr lang="en-US"/>
+          </a:p>
+          <a:p>
+            <a:pPr algn="l"/>
+            <a:r>
+              <a:rPr lang="en-US"/>
+              <a:t>O documento é um livro chamado A Mente do Empreendedor, escrito por Kevin D. Johnson, um empreendedor e mentor de jovens empresários.</a:t>
+            </a:r>
+            <a:endParaRPr lang="en-US"/>
+          </a:p>
+          <a:p>
+            <a:pPr algn="l"/>
+            <a:endParaRPr lang="en-US"/>
+          </a:p>
+          <a:p>
+            <a:pPr algn="l"/>
+            <a:r>
+              <a:rPr lang="en-US"/>
+              <a:t>O livro ensina 100 lições fundamentais para desenvolver uma mentalidade empreendedora, baseadas nas experiências pessoais do autor e de outros empreendedores de sucesso.</a:t>
+            </a:r>
+            <a:endParaRPr lang="en-US"/>
+          </a:p>
+          <a:p>
+            <a:pPr algn="l"/>
+            <a:endParaRPr lang="en-US"/>
+          </a:p>
+          <a:p>
+            <a:pPr algn="l"/>
+            <a:r>
+              <a:rPr lang="en-US"/>
+              <a:t>O livro é dividido em sete partes: Estratégia, Educação, Pessoas, Finanças, Marketing e Vendas, Liderança e Motivação. Cada parte contém pedaços relevantes de sabedoria que podem ser lidos separadamente ou sequencialmente.</a:t>
+            </a:r>
+            <a:endParaRPr lang="en-US"/>
+          </a:p>
+          <a:p>
+            <a:pPr algn="l"/>
+            <a:endParaRPr lang="en-US"/>
+          </a:p>
+          <a:p>
+            <a:pPr algn="l"/>
+            <a:r>
+              <a:rPr lang="en-US"/>
+              <a:t>O livro aborda temas como pensar grande, criar novos mercados, delegar tarefas, assumir riscos calculados, evitar a procrastinação, buscar mentores, construir uma equipe, gerar valor para os clientes, liderar com paixão e persistir diante dos obstáculos.</a:t>
+            </a:r>
+            <a:endParaRPr lang="en-US"/>
+          </a:p>
+          <a:p>
+            <a:pPr algn="l"/>
+            <a:endParaRPr lang="en-US"/>
+          </a:p>
+          <a:p>
+            <a:pPr algn="l"/>
+            <a:r>
+              <a:rPr lang="en-US"/>
+              <a:t>O livro é uma obra prática e inspiradora que visa ajudar os empreendedores a alcançar seus sonhos e objetivos, seja qual for o estágio do seu negócio.</a:t>
+            </a:r>
+            <a:endParaRPr lang="en-US"/>
+          </a:p>
+        </p:txBody>
+      </p:sp>
+    </p:spTree>
+  </p:cSld>
+  <p:clrMapOvr>
+    <a:masterClrMapping/>
+  </p:clrMapOvr>
+</p:sld>
+</file>
+
 <file path=ppt/slides/slide2.xml><?xml version="1.0" encoding="utf-8"?>
 <p:sld xmlns:a="http://schemas.openxmlformats.org/drawingml/2006/main" xmlns:r="http://schemas.openxmlformats.org/officeDocument/2006/relationships" xmlns:p="http://schemas.openxmlformats.org/presentationml/2006/main">
   <p:cSld>
@@ -3810,8 +4910,8 @@
         </p:nvSpPr>
         <p:spPr>
           <a:xfrm>
-            <a:off x="0" y="0"/>
-            <a:ext cx="14635480" cy="6462395"/>
+            <a:off x="-43815" y="-57150"/>
+            <a:ext cx="12279630" cy="4523105"/>
           </a:xfrm>
           <a:prstGeom prst="rect">
             <a:avLst/>
@@ -3819,14 +4919,18 @@
           <a:noFill/>
         </p:spPr>
         <p:txBody>
-          <a:bodyPr wrap="none" rtlCol="0">
+          <a:bodyPr wrap="square" rtlCol="0">
             <a:spAutoFit/>
           </a:bodyPr>
           <a:p>
             <a:pPr algn="l"/>
             <a:r>
+              <a:rPr lang="pt-PT" altLang="en-US"/>
+              <a:t>                                                                 </a:t>
+            </a:r>
+            <a:r>
               <a:rPr lang="en-US"/>
-              <a:t>* Conceitos e tipos de empreendedorismo*</a:t>
+              <a:t>Conceitos e tipos de empreendedorismo</a:t>
             </a:r>
             <a:endParaRPr lang="en-US"/>
           </a:p>
@@ -3844,133 +4948,41 @@
           </a:p>
           <a:p>
             <a:pPr algn="l"/>
+            <a:endParaRPr lang="en-US"/>
+          </a:p>
+          <a:p>
+            <a:pPr algn="l"/>
+            <a:endParaRPr lang="en-US"/>
+          </a:p>
+          <a:p>
+            <a:pPr algn="l"/>
             <a:r>
               <a:rPr lang="en-US"/>
-              <a:t>Definição de Empreendedorismo: Explique o que é empreendedorismo e como ele difere de outras atividades comerciais.</a:t>
+              <a:t>Definição de Empreendedorismo: Empreendedorismo é a habilidade e disposição para criar, desenvolver e gerenciar um negócio, assumindo riscos em busca de lucro. Difere de outras atividades comerciais pela ênfase em inovação, riscos calculados e busca por oportunidades.</a:t>
             </a:r>
             <a:endParaRPr lang="en-US"/>
           </a:p>
           <a:p>
             <a:pPr algn="l"/>
+            <a:endParaRPr lang="en-US"/>
+          </a:p>
+          <a:p>
+            <a:pPr algn="l"/>
             <a:r>
               <a:rPr lang="en-US"/>
-              <a:t>Características do Empreendedor: Discuta as qualidades e habilidades essenciais para ser um empreendedor bem-sucedido.</a:t>
+              <a:t>Características do Empreendedor: Qualidades cruciais incluem visão inovadora, disposição para riscos, persistência, adaptabilidade, habilidades de comunicação e liderança.</a:t>
             </a:r>
             <a:endParaRPr lang="en-US"/>
           </a:p>
           <a:p>
             <a:pPr algn="l"/>
+            <a:endParaRPr lang="en-US"/>
+          </a:p>
+          <a:p>
+            <a:pPr algn="l"/>
             <a:r>
               <a:rPr lang="en-US"/>
-              <a:t>Processo Empreendedor: Aborde as etapas envolvidas na criação e gestão de um negócio.</a:t>
-            </a:r>
-            <a:endParaRPr lang="en-US"/>
-          </a:p>
-          <a:p>
-            <a:pPr algn="l"/>
-            <a:endParaRPr lang="en-US"/>
-          </a:p>
-          <a:p>
-            <a:pPr algn="l"/>
-            <a:r>
-              <a:rPr lang="en-US"/>
-              <a:t>Tipos de Empreendedorismo:</a:t>
-            </a:r>
-            <a:endParaRPr lang="en-US"/>
-          </a:p>
-          <a:p>
-            <a:pPr algn="l"/>
-            <a:r>
-              <a:rPr lang="en-US"/>
-              <a:t>Empreendedorismo Corporativo: Como os desenvolvedores podem inovar dentro de uma empresa existente.</a:t>
-            </a:r>
-            <a:endParaRPr lang="en-US"/>
-          </a:p>
-          <a:p>
-            <a:pPr algn="l"/>
-            <a:r>
-              <a:rPr lang="en-US"/>
-              <a:t>Empreendedorismo Social: Explique como usar habilidades de programação para resolver problemas sociais.</a:t>
-            </a:r>
-            <a:endParaRPr lang="en-US"/>
-          </a:p>
-          <a:p>
-            <a:pPr algn="l"/>
-            <a:r>
-              <a:rPr lang="en-US"/>
-              <a:t>Empreendedorismo Digital: Fale sobre oportunidades no mundo online, como desenvolvimento de aplicativos, e-commerce e marketing digital.</a:t>
-            </a:r>
-            <a:endParaRPr lang="en-US"/>
-          </a:p>
-          <a:p>
-            <a:pPr algn="l"/>
-            <a:endParaRPr lang="en-US"/>
-          </a:p>
-          <a:p>
-            <a:pPr algn="l"/>
-            <a:r>
-              <a:rPr lang="en-US"/>
-              <a:t>Desafios e Oportunidades para Estudantes de Programação:</a:t>
-            </a:r>
-            <a:endParaRPr lang="en-US"/>
-          </a:p>
-          <a:p>
-            <a:pPr algn="l"/>
-            <a:r>
-              <a:rPr lang="en-US"/>
-              <a:t>Mercado de Trabalho: Analise as tendências de emprego para desenvolvedores e como o empreendedorismo pode ser uma alternativa.</a:t>
-            </a:r>
-            <a:endParaRPr lang="en-US"/>
-          </a:p>
-          <a:p>
-            <a:pPr algn="l"/>
-            <a:r>
-              <a:rPr lang="en-US"/>
-              <a:t>Ideias de Negócios: Sugira ideias específicas de negócios relacionadas à tecnologia.</a:t>
-            </a:r>
-            <a:endParaRPr lang="en-US"/>
-          </a:p>
-          <a:p>
-            <a:pPr algn="l"/>
-            <a:r>
-              <a:rPr lang="en-US"/>
-              <a:t>Networking e Colaboração: Destaque a importância de construir uma rede de contatos e colaborar com outros empreendedores.</a:t>
-            </a:r>
-            <a:endParaRPr lang="en-US"/>
-          </a:p>
-          <a:p>
-            <a:pPr algn="l"/>
-            <a:endParaRPr lang="en-US"/>
-          </a:p>
-          <a:p>
-            <a:pPr algn="l"/>
-            <a:r>
-              <a:rPr lang="en-US"/>
-              <a:t>Aspectos Práticos:</a:t>
-            </a:r>
-            <a:endParaRPr lang="en-US"/>
-          </a:p>
-          <a:p>
-            <a:pPr algn="l"/>
-            <a:r>
-              <a:rPr lang="en-US"/>
-              <a:t>Abertura de Empresa: Explique os passos para abrir um CNPJ (Cadastro Nacional de Pessoa Jurídica) e os diferentes tipos de empresas.</a:t>
-            </a:r>
-            <a:endParaRPr lang="en-US"/>
-          </a:p>
-          <a:p>
-            <a:pPr algn="l"/>
-            <a:r>
-              <a:rPr lang="en-US"/>
-              <a:t>Gestão Financeira: Introduza conceitos básicos de finanças, como fluxo de caixa, orçamento e investimentos.</a:t>
-            </a:r>
-            <a:endParaRPr lang="en-US"/>
-          </a:p>
-          <a:p>
-            <a:pPr algn="l"/>
-            <a:r>
-              <a:rPr lang="en-US"/>
-              <a:t>Marketing e Vendas: Como promover produtos ou serviços usando estratégias digitais.</a:t>
+              <a:t>Processo Empreendedor: Envolve identificação de oportunidades, desenvolvimento da ideia, elaboração do plano de negócios, captação de recursos, implementação e gestão do negócio, seguidos pela avaliação contínua e ajustes.</a:t>
             </a:r>
             <a:endParaRPr lang="en-US"/>
           </a:p>
@@ -4039,14 +5051,14 @@
       </p:pic>
       <p:sp>
         <p:nvSpPr>
-          <p:cNvPr id="2" name="Text Box 1"/>
+          <p:cNvPr id="5" name="Text Box 4"/>
           <p:cNvSpPr txBox="1"/>
           <p:nvPr/>
         </p:nvSpPr>
         <p:spPr>
           <a:xfrm>
-            <a:off x="0" y="0"/>
-            <a:ext cx="12192635" cy="7293610"/>
+            <a:off x="-62865" y="-52705"/>
+            <a:ext cx="12308840" cy="6185535"/>
           </a:xfrm>
           <a:prstGeom prst="rect">
             <a:avLst/>
@@ -4060,10 +5072,12 @@
           <a:p>
             <a:pPr algn="l"/>
             <a:r>
-              <a:rPr lang="en-US">
-                <a:sym typeface="+mn-ea"/>
-              </a:rPr>
-              <a:t>* Caracteristicas do empreendedor: habilidades, atitudes e caracteristicas dos empreendedores *</a:t>
+              <a:rPr lang="pt-PT" altLang="en-US"/>
+              <a:t>                                                                 </a:t>
+            </a:r>
+            <a:r>
+              <a:rPr lang="en-US"/>
+              <a:t>Conceitos e tipos de empreendedorismo</a:t>
             </a:r>
             <a:endParaRPr lang="en-US"/>
           </a:p>
@@ -4077,173 +5091,134 @@
               <a:rPr lang="en-US">
                 <a:sym typeface="+mn-ea"/>
               </a:rPr>
-              <a:t>Habilidades Essenciais:</a:t>
+              <a:t>Tipos de Empreendedorismo:</a:t>
             </a:r>
             <a:endParaRPr lang="en-US"/>
           </a:p>
           <a:p>
             <a:pPr algn="l"/>
-            <a:r>
-              <a:rPr lang="en-US">
-                <a:sym typeface="+mn-ea"/>
-              </a:rPr>
-              <a:t>Habilidade Técnica: Os empreendedores de tecnologia precisam dominar habilidades específicas, como programação, desenvolvimento web, banco de dados e segurança cibernética.</a:t>
-            </a:r>
+            <a:endParaRPr lang="en-US">
+              <a:sym typeface="+mn-ea"/>
+            </a:endParaRPr>
+          </a:p>
+          <a:p>
+            <a:pPr algn="l"/>
+            <a:r>
+              <a:rPr lang="en-US">
+                <a:sym typeface="+mn-ea"/>
+              </a:rPr>
+              <a:t>Empreendedorismo Corporativo:</a:t>
+            </a:r>
+            <a:endParaRPr lang="en-US">
+              <a:sym typeface="+mn-ea"/>
+            </a:endParaRPr>
+          </a:p>
+          <a:p>
+            <a:pPr algn="l"/>
+            <a:r>
+              <a:rPr lang="en-US">
+                <a:sym typeface="+mn-ea"/>
+              </a:rPr>
+              <a:t>Desenvolvedores inovam em empresas existentes promovendo cultura inovadora, sugerindo melhorias, desenvolvendo novos produtos e aplicando tecnologias emergentes.</a:t>
+            </a:r>
+            <a:endParaRPr lang="en-US">
+              <a:sym typeface="+mn-ea"/>
+            </a:endParaRPr>
+          </a:p>
+          <a:p>
+            <a:pPr algn="l"/>
+            <a:endParaRPr lang="en-US">
+              <a:sym typeface="+mn-ea"/>
+            </a:endParaRPr>
+          </a:p>
+          <a:p>
+            <a:pPr algn="l"/>
+            <a:r>
+              <a:rPr lang="en-US">
+                <a:sym typeface="+mn-ea"/>
+              </a:rPr>
+              <a:t>Empreendedorismo Social:</a:t>
+            </a:r>
+            <a:endParaRPr lang="en-US">
+              <a:sym typeface="+mn-ea"/>
+            </a:endParaRPr>
+          </a:p>
+          <a:p>
+            <a:pPr algn="l"/>
+            <a:r>
+              <a:rPr lang="en-US">
+                <a:sym typeface="+mn-ea"/>
+              </a:rPr>
+              <a:t>Habilidades de programação são usadas para criar soluções tecnológicas que abordam problemas sociais, como aplicativos para serviços sociais e plataformas de crowdfunding.</a:t>
+            </a:r>
+            <a:endParaRPr lang="en-US">
+              <a:sym typeface="+mn-ea"/>
+            </a:endParaRPr>
+          </a:p>
+          <a:p>
+            <a:pPr algn="l"/>
+            <a:endParaRPr lang="en-US">
+              <a:sym typeface="+mn-ea"/>
+            </a:endParaRPr>
+          </a:p>
+          <a:p>
+            <a:pPr algn="l"/>
+            <a:r>
+              <a:rPr lang="en-US">
+                <a:sym typeface="+mn-ea"/>
+              </a:rPr>
+              <a:t>Empreendedorismo Digital:</a:t>
+            </a:r>
+            <a:endParaRPr lang="en-US">
+              <a:sym typeface="+mn-ea"/>
+            </a:endParaRPr>
+          </a:p>
+          <a:p>
+            <a:pPr algn="l"/>
+            <a:r>
+              <a:rPr lang="en-US">
+                <a:sym typeface="+mn-ea"/>
+              </a:rPr>
+              <a:t>Oportunidades online incluem desenvolvimento de aplicativos, e-commerce e marketing digital, exigindo habilidades como desenvolvimento web e análise de dados.</a:t>
+            </a:r>
+            <a:endParaRPr lang="en-US">
+              <a:sym typeface="+mn-ea"/>
+            </a:endParaRPr>
+          </a:p>
+          <a:p>
+            <a:pPr algn="l"/>
+            <a:endParaRPr lang="en-US">
+              <a:sym typeface="+mn-ea"/>
+            </a:endParaRPr>
+          </a:p>
+          <a:p>
+            <a:pPr algn="l"/>
+            <a:endParaRPr lang="en-US">
+              <a:sym typeface="+mn-ea"/>
+            </a:endParaRPr>
+          </a:p>
+          <a:p>
+            <a:pPr algn="l"/>
+            <a:endParaRPr lang="en-US">
+              <a:sym typeface="+mn-ea"/>
+            </a:endParaRPr>
+          </a:p>
+          <a:p>
+            <a:pPr algn="l"/>
+            <a:endParaRPr lang="en-US">
+              <a:sym typeface="+mn-ea"/>
+            </a:endParaRPr>
+          </a:p>
+          <a:p>
+            <a:pPr algn="l"/>
             <a:endParaRPr lang="en-US"/>
           </a:p>
           <a:p>
             <a:pPr algn="l"/>
-            <a:r>
-              <a:rPr lang="en-US">
-                <a:sym typeface="+mn-ea"/>
-              </a:rPr>
-              <a:t>Resolução de Problemas: A capacidade de identificar e resolver problemas é fundamental para criar soluções inovadoras.</a:t>
-            </a:r>
             <a:endParaRPr lang="en-US"/>
           </a:p>
           <a:p>
             <a:pPr algn="l"/>
-            <a:r>
-              <a:rPr lang="en-US">
-                <a:sym typeface="+mn-ea"/>
-              </a:rPr>
-              <a:t>Aprendizado Contínuo: Estar disposto a aprender constantemente, acompanhar as tendências tecnológicas e adquirir novos conhecimentos.</a:t>
-            </a:r>
-            <a:endParaRPr lang="en-US"/>
-          </a:p>
-          <a:p>
-            <a:pPr algn="l"/>
-            <a:endParaRPr lang="en-US"/>
-          </a:p>
-          <a:p>
-            <a:pPr algn="l"/>
-            <a:r>
-              <a:rPr lang="en-US">
-                <a:sym typeface="+mn-ea"/>
-              </a:rPr>
-              <a:t>Atitudes e Mentalidade Empreendedora:</a:t>
-            </a:r>
-            <a:endParaRPr lang="en-US"/>
-          </a:p>
-          <a:p>
-            <a:pPr algn="l"/>
-            <a:r>
-              <a:rPr lang="en-US">
-                <a:sym typeface="+mn-ea"/>
-              </a:rPr>
-              <a:t>Visão e Ambição: Ter uma visão clara do que deseja alcançar e a ambição de transformá-la em realidade.</a:t>
-            </a:r>
-            <a:endParaRPr lang="en-US"/>
-          </a:p>
-          <a:p>
-            <a:pPr algn="l"/>
-            <a:r>
-              <a:rPr lang="en-US">
-                <a:sym typeface="+mn-ea"/>
-              </a:rPr>
-              <a:t>Persistência e Resiliência: O empreendedorismo envolve desafios e fracassos. A resiliência é crucial para superar obstáculos.</a:t>
-            </a:r>
-            <a:endParaRPr lang="en-US"/>
-          </a:p>
-          <a:p>
-            <a:pPr algn="l"/>
-            <a:r>
-              <a:rPr lang="en-US">
-                <a:sym typeface="+mn-ea"/>
-              </a:rPr>
-              <a:t>Autoconfiança e Autoestima: Acreditar em si mesmo e em suas habilidades é essencial para enfrentar riscos.</a:t>
-            </a:r>
-            <a:endParaRPr lang="en-US"/>
-          </a:p>
-          <a:p>
-            <a:pPr algn="l"/>
-            <a:endParaRPr lang="en-US"/>
-          </a:p>
-          <a:p>
-            <a:pPr algn="l"/>
-            <a:r>
-              <a:rPr lang="en-US">
-                <a:sym typeface="+mn-ea"/>
-              </a:rPr>
-              <a:t>Características Pessoais:</a:t>
-            </a:r>
-            <a:endParaRPr lang="en-US"/>
-          </a:p>
-          <a:p>
-            <a:pPr algn="l"/>
-            <a:r>
-              <a:rPr lang="en-US">
-                <a:sym typeface="+mn-ea"/>
-              </a:rPr>
-              <a:t>Criatividade e Inovação: Pensar fora da caixa e encontrar soluções originais.</a:t>
-            </a:r>
-            <a:endParaRPr lang="en-US"/>
-          </a:p>
-          <a:p>
-            <a:pPr algn="l"/>
-            <a:r>
-              <a:rPr lang="en-US">
-                <a:sym typeface="+mn-ea"/>
-              </a:rPr>
-              <a:t>Liderança: Capacidade de influenciar e motivar outras pessoas.</a:t>
-            </a:r>
-            <a:endParaRPr lang="en-US"/>
-          </a:p>
-          <a:p>
-            <a:pPr algn="l"/>
-            <a:r>
-              <a:rPr lang="en-US">
-                <a:sym typeface="+mn-ea"/>
-              </a:rPr>
-              <a:t>Networking: Construir relacionamentos profissionais é importante para oportunidades de negócios.</a:t>
-            </a:r>
-            <a:endParaRPr lang="en-US"/>
-          </a:p>
-          <a:p>
-            <a:pPr algn="l"/>
-            <a:endParaRPr lang="en-US"/>
-          </a:p>
-          <a:p>
-            <a:pPr algn="l"/>
-            <a:r>
-              <a:rPr lang="en-US">
-                <a:sym typeface="+mn-ea"/>
-              </a:rPr>
-              <a:t>Desenvolvimento de Negócios:</a:t>
-            </a:r>
-            <a:endParaRPr lang="en-US"/>
-          </a:p>
-          <a:p>
-            <a:pPr algn="l"/>
-            <a:r>
-              <a:rPr lang="en-US">
-                <a:sym typeface="+mn-ea"/>
-              </a:rPr>
-              <a:t>Identificação de Oportunidades: Saber identificar nichos de mercado e necessidades não atendidas.</a:t>
-            </a:r>
-            <a:endParaRPr lang="en-US"/>
-          </a:p>
-          <a:p>
-            <a:pPr algn="l"/>
-            <a:r>
-              <a:rPr lang="en-US">
-                <a:sym typeface="+mn-ea"/>
-              </a:rPr>
-              <a:t>Planejamento Estratégico: Criar planos de negócios sólidos e estratégias para alcançar metas.</a:t>
-            </a:r>
-            <a:endParaRPr lang="en-US"/>
-          </a:p>
-          <a:p>
-            <a:pPr algn="l"/>
-            <a:r>
-              <a:rPr lang="en-US">
-                <a:sym typeface="+mn-ea"/>
-              </a:rPr>
-              <a:t>Gestão Financeira: Entender conceitos como fluxo de caixa, investimentos e orçamento.</a:t>
-            </a:r>
-            <a:endParaRPr lang="en-US"/>
-          </a:p>
-          <a:p>
             <a:endParaRPr lang="en-US"/>
           </a:p>
         </p:txBody>
@@ -4303,14 +5278,14 @@
       </p:pic>
       <p:sp>
         <p:nvSpPr>
-          <p:cNvPr id="2" name="Text Box 1"/>
+          <p:cNvPr id="5" name="Text Box 4"/>
           <p:cNvSpPr txBox="1"/>
           <p:nvPr/>
         </p:nvSpPr>
         <p:spPr>
           <a:xfrm>
             <a:off x="0" y="0"/>
-            <a:ext cx="12192635" cy="8124190"/>
+            <a:ext cx="12192000" cy="6185535"/>
           </a:xfrm>
           <a:prstGeom prst="rect">
             <a:avLst/>
@@ -4324,21 +5299,17 @@
           <a:p>
             <a:pPr algn="l"/>
             <a:r>
-              <a:rPr lang="en-US">
-                <a:sym typeface="+mn-ea"/>
-              </a:rPr>
-              <a:t>Desenvolvimento de Aplicativos e Softwares:</a:t>
+              <a:rPr lang="pt-PT" altLang="en-US"/>
+              <a:t>                                                                 </a:t>
+            </a:r>
+            <a:r>
+              <a:rPr lang="en-US"/>
+              <a:t>Conceitos e tipos de empreendedorismo</a:t>
             </a:r>
             <a:endParaRPr lang="en-US"/>
           </a:p>
           <a:p>
             <a:pPr algn="l"/>
-            <a:r>
-              <a:rPr lang="en-US">
-                <a:sym typeface="+mn-ea"/>
-              </a:rPr>
-              <a:t>Criação de Aplicativos Móveis: Desenvolver aplicativos para dispositivos móveis (iOS, Android) que atendam a necessidades específicas dos usuários.</a:t>
-            </a:r>
             <a:endParaRPr lang="en-US"/>
           </a:p>
           <a:p>
@@ -4347,168 +5318,156 @@
               <a:rPr lang="en-US">
                 <a:sym typeface="+mn-ea"/>
               </a:rPr>
-              <a:t>Sistemas Web e Desktop: Criar softwares para empresas, organizações ou clientes individuais, abrangendo desde sistemas de gerenciamento até ferramentas personalizadas.</a:t>
-            </a:r>
+              <a:t>Desafios e Oportunidades para Estudantes de Programação:</a:t>
+            </a:r>
+            <a:endParaRPr lang="en-US">
+              <a:sym typeface="+mn-ea"/>
+            </a:endParaRPr>
+          </a:p>
+          <a:p>
+            <a:pPr algn="l"/>
             <a:endParaRPr lang="en-US"/>
           </a:p>
           <a:p>
             <a:pPr algn="l"/>
-            <a:endParaRPr lang="en-US"/>
-          </a:p>
-          <a:p>
-            <a:pPr algn="l"/>
-            <a:r>
-              <a:rPr lang="en-US">
-                <a:sym typeface="+mn-ea"/>
-              </a:rPr>
-              <a:t>Freelancing e Trabalho Remoto:</a:t>
-            </a:r>
-            <a:endParaRPr lang="en-US"/>
-          </a:p>
-          <a:p>
-            <a:pPr algn="l"/>
-            <a:r>
-              <a:rPr lang="en-US">
-                <a:sym typeface="+mn-ea"/>
-              </a:rPr>
-              <a:t>Freelancer de Desenvolvimento: Oferecer seus serviços como desenvolvedor em plataformas freelancers, trabalhando em projetos sob demanda.</a:t>
-            </a:r>
-            <a:endParaRPr lang="en-US"/>
-          </a:p>
-          <a:p>
-            <a:pPr algn="l"/>
-            <a:r>
-              <a:rPr lang="en-US">
-                <a:sym typeface="+mn-ea"/>
-              </a:rPr>
-              <a:t>Trabalho Remoto: Aproveitar a flexibilidade do trabalho remoto para colaborar com empresas e startups de qualquer lugar do mundo.</a:t>
-            </a:r>
-            <a:endParaRPr lang="en-US"/>
-          </a:p>
-          <a:p>
-            <a:pPr algn="l"/>
-            <a:endParaRPr lang="en-US"/>
-          </a:p>
-          <a:p>
-            <a:pPr algn="l"/>
-            <a:r>
-              <a:rPr lang="en-US">
-                <a:sym typeface="+mn-ea"/>
-              </a:rPr>
-              <a:t>Educação e Tutoria:</a:t>
-            </a:r>
-            <a:endParaRPr lang="en-US"/>
-          </a:p>
-          <a:p>
-            <a:pPr algn="l"/>
-            <a:r>
-              <a:rPr lang="en-US">
-                <a:sym typeface="+mn-ea"/>
-              </a:rPr>
-              <a:t>Cursos Online e Tutoriais: Criar cursos online, tutoriais em vídeo ou blogs para ensinar programação a outros estudantes.</a:t>
-            </a:r>
-            <a:endParaRPr lang="en-US"/>
-          </a:p>
-          <a:p>
-            <a:pPr algn="l"/>
-            <a:r>
-              <a:rPr lang="en-US">
-                <a:sym typeface="+mn-ea"/>
-              </a:rPr>
-              <a:t>Mentoria: Oferecer orientação e suporte a iniciantes na área de programação.</a:t>
-            </a:r>
-            <a:endParaRPr lang="en-US"/>
-          </a:p>
-          <a:p>
-            <a:pPr algn="l"/>
-            <a:endParaRPr lang="en-US"/>
-          </a:p>
-          <a:p>
-            <a:pPr algn="l"/>
-            <a:r>
-              <a:rPr lang="en-US">
-                <a:sym typeface="+mn-ea"/>
-              </a:rPr>
-              <a:t>Empreendedorismo Digital:</a:t>
-            </a:r>
-            <a:endParaRPr lang="en-US"/>
-          </a:p>
-          <a:p>
-            <a:pPr algn="l"/>
-            <a:r>
-              <a:rPr lang="en-US">
-                <a:sym typeface="+mn-ea"/>
-              </a:rPr>
-              <a:t>E-commerce: Criar sua própria loja online, vendendo produtos físicos ou digitais.</a:t>
-            </a:r>
-            <a:endParaRPr lang="en-US"/>
-          </a:p>
-          <a:p>
-            <a:pPr algn="l"/>
-            <a:r>
-              <a:rPr lang="en-US">
-                <a:sym typeface="+mn-ea"/>
-              </a:rPr>
-              <a:t>Desenvolvimento de Plataformas: Construir plataformas web ou aplicativos que atendam a nichos específicos, como marketplace de nicho, redes sociais temáticas ou ferramentas de produtividade.</a:t>
-            </a:r>
-            <a:endParaRPr lang="en-US"/>
-          </a:p>
-          <a:p>
-            <a:pPr algn="l"/>
-            <a:endParaRPr lang="en-US"/>
-          </a:p>
-          <a:p>
-            <a:pPr algn="l"/>
-            <a:r>
-              <a:rPr lang="en-US">
-                <a:sym typeface="+mn-ea"/>
-              </a:rPr>
-              <a:t>Startups e Inovação:</a:t>
-            </a:r>
-            <a:endParaRPr lang="en-US"/>
-          </a:p>
-          <a:p>
-            <a:pPr algn="l"/>
-            <a:r>
-              <a:rPr lang="en-US">
-                <a:sym typeface="+mn-ea"/>
-              </a:rPr>
-              <a:t>Ideias Inovadoras: Identificar problemas não resolvidos e criar soluções tecnológicas inovadoras.</a:t>
-            </a:r>
-            <a:endParaRPr lang="en-US"/>
-          </a:p>
-          <a:p>
-            <a:pPr algn="l"/>
-            <a:r>
-              <a:rPr lang="en-US">
-                <a:sym typeface="+mn-ea"/>
-              </a:rPr>
-              <a:t>Participação em Startups: Juntar-se a startups como desenvolvedor fundador ou membro da equipe técnica.</a:t>
-            </a:r>
-            <a:endParaRPr lang="en-US"/>
-          </a:p>
-          <a:p>
-            <a:pPr algn="l"/>
-            <a:endParaRPr lang="en-US"/>
-          </a:p>
-          <a:p>
-            <a:pPr algn="l"/>
-            <a:r>
-              <a:rPr lang="en-US">
-                <a:sym typeface="+mn-ea"/>
-              </a:rPr>
-              <a:t>Pesquisa e Desenvolvimento:</a:t>
-            </a:r>
-            <a:endParaRPr lang="en-US"/>
-          </a:p>
-          <a:p>
-            <a:pPr algn="l"/>
-            <a:r>
-              <a:rPr lang="en-US">
-                <a:sym typeface="+mn-ea"/>
-              </a:rPr>
-              <a:t>Exploração Tecnológica: Trabalhar em projetos de pesquisa e desenvolvimento, especialmente em empresas que investem em experimentos de alto risco e alto potencial de retorno.</a:t>
-            </a:r>
+            <a:r>
+              <a:rPr lang="en-US">
+                <a:sym typeface="+mn-ea"/>
+              </a:rPr>
+              <a:t>Mercado de Trabalho:</a:t>
+            </a:r>
+            <a:endParaRPr lang="en-US">
+              <a:sym typeface="+mn-ea"/>
+            </a:endParaRPr>
+          </a:p>
+          <a:p>
+            <a:pPr algn="l"/>
+            <a:r>
+              <a:rPr lang="en-US">
+                <a:sym typeface="+mn-ea"/>
+              </a:rPr>
+              <a:t>Tendências de emprego para desenvolvedores incluem demanda crescente em áreas como inteligência artificial, desenvolvimento web e cibersegurança. O empreendedorismo oferece alternativas, permitindo autonomia e criação de oportunidades próprias.</a:t>
+            </a:r>
+            <a:endParaRPr lang="en-US">
+              <a:sym typeface="+mn-ea"/>
+            </a:endParaRPr>
+          </a:p>
+          <a:p>
+            <a:pPr algn="l"/>
+            <a:endParaRPr lang="en-US">
+              <a:sym typeface="+mn-ea"/>
+            </a:endParaRPr>
+          </a:p>
+          <a:p>
+            <a:pPr algn="l"/>
+            <a:r>
+              <a:rPr lang="en-US">
+                <a:sym typeface="+mn-ea"/>
+              </a:rPr>
+              <a:t>Ideias de Negócios:</a:t>
+            </a:r>
+            <a:endParaRPr lang="en-US">
+              <a:sym typeface="+mn-ea"/>
+            </a:endParaRPr>
+          </a:p>
+          <a:p>
+            <a:pPr algn="l"/>
+            <a:endParaRPr lang="en-US">
+              <a:sym typeface="+mn-ea"/>
+            </a:endParaRPr>
+          </a:p>
+          <a:p>
+            <a:pPr algn="l"/>
+            <a:r>
+              <a:rPr lang="en-US">
+                <a:sym typeface="+mn-ea"/>
+              </a:rPr>
+              <a:t>Desenvolvimento de Aplicativos Específicos para Setores Niche.</a:t>
+            </a:r>
+            <a:endParaRPr lang="en-US">
+              <a:sym typeface="+mn-ea"/>
+            </a:endParaRPr>
+          </a:p>
+          <a:p>
+            <a:pPr algn="l"/>
+            <a:r>
+              <a:rPr lang="en-US">
+                <a:sym typeface="+mn-ea"/>
+              </a:rPr>
+              <a:t>Consultoria em Cibersegurança para Pequenas Empresas.</a:t>
+            </a:r>
+            <a:endParaRPr lang="en-US">
+              <a:sym typeface="+mn-ea"/>
+            </a:endParaRPr>
+          </a:p>
+          <a:p>
+            <a:pPr algn="l"/>
+            <a:r>
+              <a:rPr lang="en-US">
+                <a:sym typeface="+mn-ea"/>
+              </a:rPr>
+              <a:t>Plataforma de Educação Online para Habilidades Técnicas.</a:t>
+            </a:r>
+            <a:endParaRPr lang="en-US">
+              <a:sym typeface="+mn-ea"/>
+            </a:endParaRPr>
+          </a:p>
+          <a:p>
+            <a:pPr algn="l"/>
+            <a:r>
+              <a:rPr lang="en-US">
+                <a:sym typeface="+mn-ea"/>
+              </a:rPr>
+              <a:t>Serviços de Desenvolvimento de Chatbots Personalizados.</a:t>
+            </a:r>
+            <a:endParaRPr lang="en-US">
+              <a:sym typeface="+mn-ea"/>
+            </a:endParaRPr>
+          </a:p>
+          <a:p>
+            <a:pPr algn="l"/>
+            <a:r>
+              <a:rPr lang="en-US">
+                <a:sym typeface="+mn-ea"/>
+              </a:rPr>
+              <a:t>Soluções de Realidade Aumentada para Setores Específicos.</a:t>
+            </a:r>
+            <a:endParaRPr lang="en-US">
+              <a:sym typeface="+mn-ea"/>
+            </a:endParaRPr>
+          </a:p>
+          <a:p>
+            <a:pPr algn="l"/>
+            <a:endParaRPr lang="en-US">
+              <a:sym typeface="+mn-ea"/>
+            </a:endParaRPr>
+          </a:p>
+          <a:p>
+            <a:pPr algn="l"/>
+            <a:r>
+              <a:rPr lang="en-US">
+                <a:sym typeface="+mn-ea"/>
+              </a:rPr>
+              <a:t>Networking e Colaboração:</a:t>
+            </a:r>
+            <a:endParaRPr lang="en-US">
+              <a:sym typeface="+mn-ea"/>
+            </a:endParaRPr>
+          </a:p>
+          <a:p>
+            <a:pPr algn="l"/>
+            <a:r>
+              <a:rPr lang="en-US">
+                <a:sym typeface="+mn-ea"/>
+              </a:rPr>
+              <a:t>Construir uma rede de contatos é crucial para oportunidades de negócios e aprendizado mútuo. Colaborar com outros empreendedores oferece sinergias, compartilhamento de recursos e acesso a diferentes perspectivas, fortalecendo a base para o crescimento empresarial.</a:t>
+            </a:r>
+            <a:endParaRPr lang="en-US">
+              <a:sym typeface="+mn-ea"/>
+            </a:endParaRPr>
+          </a:p>
+          <a:p>
+            <a:pPr algn="l"/>
             <a:endParaRPr lang="en-US"/>
           </a:p>
         </p:txBody>
@@ -4566,6 +5525,973 @@
           </a:prstGeom>
         </p:spPr>
       </p:pic>
+      <p:sp>
+        <p:nvSpPr>
+          <p:cNvPr id="5" name="Text Box 4"/>
+          <p:cNvSpPr txBox="1"/>
+          <p:nvPr/>
+        </p:nvSpPr>
+        <p:spPr>
+          <a:xfrm>
+            <a:off x="0" y="0"/>
+            <a:ext cx="12192000" cy="7016115"/>
+          </a:xfrm>
+          <a:prstGeom prst="rect">
+            <a:avLst/>
+          </a:prstGeom>
+          <a:noFill/>
+        </p:spPr>
+        <p:txBody>
+          <a:bodyPr wrap="square" rtlCol="0">
+            <a:spAutoFit/>
+          </a:bodyPr>
+          <a:p>
+            <a:pPr algn="l"/>
+            <a:r>
+              <a:rPr lang="pt-PT" altLang="en-US"/>
+              <a:t>                                                                 </a:t>
+            </a:r>
+            <a:r>
+              <a:rPr lang="en-US"/>
+              <a:t>Conceitos e tipos de empreendedorismo</a:t>
+            </a:r>
+            <a:endParaRPr lang="en-US"/>
+          </a:p>
+          <a:p>
+            <a:pPr algn="l"/>
+            <a:endParaRPr lang="en-US"/>
+          </a:p>
+          <a:p>
+            <a:pPr algn="l"/>
+            <a:r>
+              <a:rPr lang="en-US">
+                <a:sym typeface="+mn-ea"/>
+              </a:rPr>
+              <a:t>Aspectos Práticos:</a:t>
+            </a:r>
+            <a:endParaRPr lang="en-US">
+              <a:sym typeface="+mn-ea"/>
+            </a:endParaRPr>
+          </a:p>
+          <a:p>
+            <a:pPr algn="l"/>
+            <a:endParaRPr lang="en-US"/>
+          </a:p>
+          <a:p>
+            <a:pPr algn="l"/>
+            <a:r>
+              <a:rPr lang="en-US">
+                <a:sym typeface="+mn-ea"/>
+              </a:rPr>
+              <a:t>Abertura de Empresa:</a:t>
+            </a:r>
+            <a:endParaRPr lang="en-US">
+              <a:sym typeface="+mn-ea"/>
+            </a:endParaRPr>
+          </a:p>
+          <a:p>
+            <a:pPr algn="l"/>
+            <a:endParaRPr lang="en-US">
+              <a:sym typeface="+mn-ea"/>
+            </a:endParaRPr>
+          </a:p>
+          <a:p>
+            <a:pPr algn="l"/>
+            <a:r>
+              <a:rPr lang="en-US">
+                <a:sym typeface="+mn-ea"/>
+              </a:rPr>
+              <a:t>Pesquisa e Planejamento: Identifique o mercado e planeje o tipo de empresa.</a:t>
+            </a:r>
+            <a:endParaRPr lang="en-US">
+              <a:sym typeface="+mn-ea"/>
+            </a:endParaRPr>
+          </a:p>
+          <a:p>
+            <a:pPr algn="l"/>
+            <a:r>
+              <a:rPr lang="en-US">
+                <a:sym typeface="+mn-ea"/>
+              </a:rPr>
+              <a:t>Registro na Receita Federal: Abra um CNPJ.</a:t>
+            </a:r>
+            <a:endParaRPr lang="en-US">
+              <a:sym typeface="+mn-ea"/>
+            </a:endParaRPr>
+          </a:p>
+          <a:p>
+            <a:pPr algn="l"/>
+            <a:r>
+              <a:rPr lang="en-US">
+                <a:sym typeface="+mn-ea"/>
+              </a:rPr>
+              <a:t>Escolha do Regime Tributário: Opte por Simples Nacional, Lucro Presumido ou Lucro Real.</a:t>
+            </a:r>
+            <a:endParaRPr lang="en-US">
+              <a:sym typeface="+mn-ea"/>
+            </a:endParaRPr>
+          </a:p>
+          <a:p>
+            <a:pPr algn="l"/>
+            <a:r>
+              <a:rPr lang="en-US">
+                <a:sym typeface="+mn-ea"/>
+              </a:rPr>
+              <a:t>Obtenção de Alvará e Licenças: Consiga as autorizações necessárias para operar legalmente.</a:t>
+            </a:r>
+            <a:endParaRPr lang="en-US">
+              <a:sym typeface="+mn-ea"/>
+            </a:endParaRPr>
+          </a:p>
+          <a:p>
+            <a:pPr algn="l"/>
+            <a:endParaRPr lang="en-US">
+              <a:sym typeface="+mn-ea"/>
+            </a:endParaRPr>
+          </a:p>
+          <a:p>
+            <a:pPr algn="l"/>
+            <a:r>
+              <a:rPr lang="en-US">
+                <a:sym typeface="+mn-ea"/>
+              </a:rPr>
+              <a:t>Gestão Financeira:</a:t>
+            </a:r>
+            <a:endParaRPr lang="en-US">
+              <a:sym typeface="+mn-ea"/>
+            </a:endParaRPr>
+          </a:p>
+          <a:p>
+            <a:pPr algn="l"/>
+            <a:endParaRPr lang="en-US">
+              <a:sym typeface="+mn-ea"/>
+            </a:endParaRPr>
+          </a:p>
+          <a:p>
+            <a:pPr algn="l"/>
+            <a:r>
+              <a:rPr lang="en-US">
+                <a:sym typeface="+mn-ea"/>
+              </a:rPr>
+              <a:t>Fluxo de Caixa: Acompanhe entradas e saídas de dinheiro.</a:t>
+            </a:r>
+            <a:endParaRPr lang="en-US">
+              <a:sym typeface="+mn-ea"/>
+            </a:endParaRPr>
+          </a:p>
+          <a:p>
+            <a:pPr algn="l"/>
+            <a:r>
+              <a:rPr lang="en-US">
+                <a:sym typeface="+mn-ea"/>
+              </a:rPr>
+              <a:t>Orçamento: Estabeleça metas financeiras e aloque recursos.</a:t>
+            </a:r>
+            <a:endParaRPr lang="en-US">
+              <a:sym typeface="+mn-ea"/>
+            </a:endParaRPr>
+          </a:p>
+          <a:p>
+            <a:pPr algn="l"/>
+            <a:r>
+              <a:rPr lang="en-US">
+                <a:sym typeface="+mn-ea"/>
+              </a:rPr>
+              <a:t>Investimentos: Avalie opções de investimento alinhadas aos objetivos da empresa.</a:t>
+            </a:r>
+            <a:endParaRPr lang="en-US">
+              <a:sym typeface="+mn-ea"/>
+            </a:endParaRPr>
+          </a:p>
+          <a:p>
+            <a:pPr algn="l"/>
+            <a:endParaRPr lang="en-US">
+              <a:sym typeface="+mn-ea"/>
+            </a:endParaRPr>
+          </a:p>
+          <a:p>
+            <a:pPr algn="l"/>
+            <a:r>
+              <a:rPr lang="en-US">
+                <a:sym typeface="+mn-ea"/>
+              </a:rPr>
+              <a:t>Marketing e Vendas:</a:t>
+            </a:r>
+            <a:endParaRPr lang="en-US">
+              <a:sym typeface="+mn-ea"/>
+            </a:endParaRPr>
+          </a:p>
+          <a:p>
+            <a:pPr algn="l"/>
+            <a:endParaRPr lang="en-US">
+              <a:sym typeface="+mn-ea"/>
+            </a:endParaRPr>
+          </a:p>
+          <a:p>
+            <a:pPr algn="l"/>
+            <a:r>
+              <a:rPr lang="en-US">
+                <a:sym typeface="+mn-ea"/>
+              </a:rPr>
+              <a:t>Presença Online: Construa um site e utilize redes sociais.</a:t>
+            </a:r>
+            <a:endParaRPr lang="en-US">
+              <a:sym typeface="+mn-ea"/>
+            </a:endParaRPr>
+          </a:p>
+          <a:p>
+            <a:pPr algn="l"/>
+            <a:r>
+              <a:rPr lang="en-US">
+                <a:sym typeface="+mn-ea"/>
+              </a:rPr>
+              <a:t>SEO e Marketing de Conteúdo: Otimize para motores de busca e crie conteúdo relevante.</a:t>
+            </a:r>
+            <a:endParaRPr lang="en-US">
+              <a:sym typeface="+mn-ea"/>
+            </a:endParaRPr>
+          </a:p>
+          <a:p>
+            <a:pPr algn="l"/>
+            <a:r>
+              <a:rPr lang="en-US">
+                <a:sym typeface="+mn-ea"/>
+              </a:rPr>
+              <a:t>Estratégias de Mídia Social: Use plataformas como Facebook e Instagram.</a:t>
+            </a:r>
+            <a:endParaRPr lang="en-US">
+              <a:sym typeface="+mn-ea"/>
+            </a:endParaRPr>
+          </a:p>
+          <a:p>
+            <a:pPr algn="l"/>
+            <a:r>
+              <a:rPr lang="en-US">
+                <a:sym typeface="+mn-ea"/>
+              </a:rPr>
+              <a:t>Email Marketing: Engaje clientes por meio de newsletters e promoções.</a:t>
+            </a:r>
+            <a:endParaRPr lang="en-US">
+              <a:sym typeface="+mn-ea"/>
+            </a:endParaRPr>
+          </a:p>
+          <a:p>
+            <a:pPr algn="l"/>
+            <a:r>
+              <a:rPr lang="en-US">
+                <a:sym typeface="+mn-ea"/>
+              </a:rPr>
+              <a:t>Publicidade Online: Considere Google Ads e anúncios em redes sociais.</a:t>
+            </a:r>
+            <a:endParaRPr lang="en-US">
+              <a:sym typeface="+mn-ea"/>
+            </a:endParaRPr>
+          </a:p>
+          <a:p>
+            <a:pPr algn="l"/>
+            <a:endParaRPr lang="en-US"/>
+          </a:p>
+        </p:txBody>
+      </p:sp>
+    </p:spTree>
+  </p:cSld>
+  <p:clrMapOvr>
+    <a:masterClrMapping/>
+  </p:clrMapOvr>
+</p:sld>
+</file>
+
+<file path=ppt/slides/slide6.xml><?xml version="1.0" encoding="utf-8"?>
+<p:sld xmlns:a="http://schemas.openxmlformats.org/drawingml/2006/main" xmlns:r="http://schemas.openxmlformats.org/officeDocument/2006/relationships" xmlns:p="http://schemas.openxmlformats.org/presentationml/2006/main">
+  <p:cSld>
+    <p:bg>
+      <p:bgPr>
+        <a:blipFill>
+          <a:blip r:embed="rId1"/>
+          <a:stretch>
+            <a:fillRect/>
+          </a:stretch>
+        </a:blipFill>
+        <a:effectLst/>
+      </p:bgPr>
+    </p:bg>
+    <p:spTree>
+      <p:nvGrpSpPr>
+        <p:cNvPr id="1" name=""/>
+        <p:cNvGrpSpPr/>
+        <p:nvPr/>
+      </p:nvGrpSpPr>
+      <p:grpSpPr/>
+      <p:pic>
+        <p:nvPicPr>
+          <p:cNvPr id="4" name="Picture 3" descr="background"/>
+          <p:cNvPicPr>
+            <a:picLocks noChangeAspect="1"/>
+          </p:cNvPicPr>
+          <p:nvPr/>
+        </p:nvPicPr>
+        <p:blipFill>
+          <a:blip r:embed="rId1"/>
+          <a:stretch>
+            <a:fillRect/>
+          </a:stretch>
+        </p:blipFill>
+        <p:spPr>
+          <a:xfrm>
+            <a:off x="0" y="0"/>
+            <a:ext cx="12191365" cy="6858000"/>
+          </a:xfrm>
+          <a:prstGeom prst="rect">
+            <a:avLst/>
+          </a:prstGeom>
+        </p:spPr>
+      </p:pic>
+      <p:sp>
+        <p:nvSpPr>
+          <p:cNvPr id="2" name="Text Box 1"/>
+          <p:cNvSpPr txBox="1"/>
+          <p:nvPr/>
+        </p:nvSpPr>
+        <p:spPr>
+          <a:xfrm>
+            <a:off x="0" y="0"/>
+            <a:ext cx="12192635" cy="4799965"/>
+          </a:xfrm>
+          <a:prstGeom prst="rect">
+            <a:avLst/>
+          </a:prstGeom>
+          <a:noFill/>
+        </p:spPr>
+        <p:txBody>
+          <a:bodyPr wrap="square" rtlCol="0">
+            <a:spAutoFit/>
+          </a:bodyPr>
+          <a:p>
+            <a:pPr algn="l"/>
+            <a:r>
+              <a:rPr lang="pt-PT" altLang="en-US">
+                <a:sym typeface="+mn-ea"/>
+              </a:rPr>
+              <a:t>            </a:t>
+            </a:r>
+            <a:r>
+              <a:rPr lang="en-US">
+                <a:sym typeface="+mn-ea"/>
+              </a:rPr>
+              <a:t>Caracteristicas do empreendedor: habilidades, atitudes e caracteristicas dos empreendedores</a:t>
+            </a:r>
+            <a:endParaRPr lang="en-US"/>
+          </a:p>
+          <a:p>
+            <a:pPr algn="l"/>
+            <a:endParaRPr lang="en-US"/>
+          </a:p>
+          <a:p>
+            <a:pPr algn="l"/>
+            <a:r>
+              <a:rPr lang="en-US">
+                <a:sym typeface="+mn-ea"/>
+              </a:rPr>
+              <a:t>Habilidades Essenciais:</a:t>
+            </a:r>
+            <a:endParaRPr lang="en-US">
+              <a:sym typeface="+mn-ea"/>
+            </a:endParaRPr>
+          </a:p>
+          <a:p>
+            <a:pPr algn="l"/>
+            <a:endParaRPr lang="en-US"/>
+          </a:p>
+          <a:p>
+            <a:pPr algn="l"/>
+            <a:r>
+              <a:rPr lang="en-US">
+                <a:sym typeface="+mn-ea"/>
+              </a:rPr>
+              <a:t>Habilidade Técnica:</a:t>
+            </a:r>
+            <a:endParaRPr lang="en-US">
+              <a:sym typeface="+mn-ea"/>
+            </a:endParaRPr>
+          </a:p>
+          <a:p>
+            <a:pPr algn="l"/>
+            <a:r>
+              <a:rPr lang="en-US">
+                <a:sym typeface="+mn-ea"/>
+              </a:rPr>
+              <a:t>Empreendedores de tecnologia devem dominar programação, desenvolvimento web, gestão de banco de dados e segurança cibernética para conceber e implementar soluções tecnológicas eficientes e seguras.</a:t>
+            </a:r>
+            <a:endParaRPr lang="en-US">
+              <a:sym typeface="+mn-ea"/>
+            </a:endParaRPr>
+          </a:p>
+          <a:p>
+            <a:pPr algn="l"/>
+            <a:endParaRPr lang="en-US">
+              <a:sym typeface="+mn-ea"/>
+            </a:endParaRPr>
+          </a:p>
+          <a:p>
+            <a:pPr algn="l"/>
+            <a:r>
+              <a:rPr lang="en-US">
+                <a:sym typeface="+mn-ea"/>
+              </a:rPr>
+              <a:t>Resolução de Problemas:</a:t>
+            </a:r>
+            <a:endParaRPr lang="en-US">
+              <a:sym typeface="+mn-ea"/>
+            </a:endParaRPr>
+          </a:p>
+          <a:p>
+            <a:pPr algn="l"/>
+            <a:r>
+              <a:rPr lang="en-US">
+                <a:sym typeface="+mn-ea"/>
+              </a:rPr>
+              <a:t>A habilidade de identificar e resolver problemas é crucial para empreendedores de tecnologia, permitindo a criação de soluções inovadoras que atendam às necessidades do mercado.</a:t>
+            </a:r>
+            <a:endParaRPr lang="en-US">
+              <a:sym typeface="+mn-ea"/>
+            </a:endParaRPr>
+          </a:p>
+          <a:p>
+            <a:pPr algn="l"/>
+            <a:endParaRPr lang="en-US">
+              <a:sym typeface="+mn-ea"/>
+            </a:endParaRPr>
+          </a:p>
+          <a:p>
+            <a:pPr algn="l"/>
+            <a:r>
+              <a:rPr lang="en-US">
+                <a:sym typeface="+mn-ea"/>
+              </a:rPr>
+              <a:t>Aprendizado Contínuo:</a:t>
+            </a:r>
+            <a:endParaRPr lang="en-US">
+              <a:sym typeface="+mn-ea"/>
+            </a:endParaRPr>
+          </a:p>
+          <a:p>
+            <a:pPr algn="l"/>
+            <a:r>
+              <a:rPr lang="en-US">
+                <a:sym typeface="+mn-ea"/>
+              </a:rPr>
+              <a:t>Estar disposto a aprender constantemente é essencial. Empreendedores de tecnologia devem acompanhar as tendências do setor, adquirir novos conhecimentos e ajustar suas habilidades para permanecerem relevantes em um ambiente tecnologicamente dinâmico.</a:t>
+            </a:r>
+            <a:endParaRPr lang="en-US">
+              <a:sym typeface="+mn-ea"/>
+            </a:endParaRPr>
+          </a:p>
+          <a:p>
+            <a:endParaRPr lang="en-US"/>
+          </a:p>
+        </p:txBody>
+      </p:sp>
+    </p:spTree>
+  </p:cSld>
+  <p:clrMapOvr>
+    <a:masterClrMapping/>
+  </p:clrMapOvr>
+</p:sld>
+</file>
+
+<file path=ppt/slides/slide7.xml><?xml version="1.0" encoding="utf-8"?>
+<p:sld xmlns:a="http://schemas.openxmlformats.org/drawingml/2006/main" xmlns:r="http://schemas.openxmlformats.org/officeDocument/2006/relationships" xmlns:p="http://schemas.openxmlformats.org/presentationml/2006/main">
+  <p:cSld>
+    <p:bg>
+      <p:bgPr>
+        <a:blipFill>
+          <a:blip r:embed="rId1"/>
+          <a:stretch>
+            <a:fillRect/>
+          </a:stretch>
+        </a:blipFill>
+        <a:effectLst/>
+      </p:bgPr>
+    </p:bg>
+    <p:spTree>
+      <p:nvGrpSpPr>
+        <p:cNvPr id="1" name=""/>
+        <p:cNvGrpSpPr/>
+        <p:nvPr/>
+      </p:nvGrpSpPr>
+      <p:grpSpPr/>
+      <p:pic>
+        <p:nvPicPr>
+          <p:cNvPr id="4" name="Picture 3" descr="background"/>
+          <p:cNvPicPr>
+            <a:picLocks noChangeAspect="1"/>
+          </p:cNvPicPr>
+          <p:nvPr/>
+        </p:nvPicPr>
+        <p:blipFill>
+          <a:blip r:embed="rId1"/>
+          <a:stretch>
+            <a:fillRect/>
+          </a:stretch>
+        </p:blipFill>
+        <p:spPr>
+          <a:xfrm>
+            <a:off x="0" y="0"/>
+            <a:ext cx="12191365" cy="6858000"/>
+          </a:xfrm>
+          <a:prstGeom prst="rect">
+            <a:avLst/>
+          </a:prstGeom>
+        </p:spPr>
+      </p:pic>
+      <p:sp>
+        <p:nvSpPr>
+          <p:cNvPr id="2" name="Text Box 1"/>
+          <p:cNvSpPr txBox="1"/>
+          <p:nvPr/>
+        </p:nvSpPr>
+        <p:spPr>
+          <a:xfrm>
+            <a:off x="0" y="0"/>
+            <a:ext cx="12192635" cy="3969385"/>
+          </a:xfrm>
+          <a:prstGeom prst="rect">
+            <a:avLst/>
+          </a:prstGeom>
+          <a:noFill/>
+        </p:spPr>
+        <p:txBody>
+          <a:bodyPr wrap="square" rtlCol="0">
+            <a:spAutoFit/>
+          </a:bodyPr>
+          <a:p>
+            <a:pPr algn="l"/>
+            <a:r>
+              <a:rPr lang="pt-PT" altLang="en-US">
+                <a:sym typeface="+mn-ea"/>
+              </a:rPr>
+              <a:t>              </a:t>
+            </a:r>
+            <a:r>
+              <a:rPr lang="en-US">
+                <a:sym typeface="+mn-ea"/>
+              </a:rPr>
+              <a:t>Caracteristicas do empreendedor: habilidades, atitudes e caracteristicas dos empreendedores</a:t>
+            </a:r>
+            <a:endParaRPr lang="en-US"/>
+          </a:p>
+          <a:p>
+            <a:pPr algn="l"/>
+            <a:endParaRPr lang="en-US"/>
+          </a:p>
+          <a:p>
+            <a:pPr algn="l"/>
+            <a:endParaRPr lang="en-US">
+              <a:sym typeface="+mn-ea"/>
+            </a:endParaRPr>
+          </a:p>
+          <a:p>
+            <a:pPr algn="l"/>
+            <a:r>
+              <a:rPr lang="en-US">
+                <a:sym typeface="+mn-ea"/>
+              </a:rPr>
+              <a:t>Atitudes e Mentalidade Empreendedora:</a:t>
+            </a:r>
+            <a:endParaRPr lang="en-US">
+              <a:sym typeface="+mn-ea"/>
+            </a:endParaRPr>
+          </a:p>
+          <a:p>
+            <a:pPr algn="l"/>
+            <a:endParaRPr lang="en-US">
+              <a:sym typeface="+mn-ea"/>
+            </a:endParaRPr>
+          </a:p>
+          <a:p>
+            <a:pPr algn="l"/>
+            <a:r>
+              <a:rPr lang="en-US">
+                <a:sym typeface="+mn-ea"/>
+              </a:rPr>
+              <a:t>Visão e Ambição: Ter uma visão clara do objetivo desejado e a ambição de transformá-la em realidade impulsiona o empreendedor a alcançar metas significativas.</a:t>
+            </a:r>
+            <a:endParaRPr lang="en-US">
+              <a:sym typeface="+mn-ea"/>
+            </a:endParaRPr>
+          </a:p>
+          <a:p>
+            <a:pPr algn="l"/>
+            <a:endParaRPr lang="en-US">
+              <a:sym typeface="+mn-ea"/>
+            </a:endParaRPr>
+          </a:p>
+          <a:p>
+            <a:pPr algn="l"/>
+            <a:r>
+              <a:rPr lang="en-US">
+                <a:sym typeface="+mn-ea"/>
+              </a:rPr>
+              <a:t>Persistência e Resiliência: Enfrentando desafios e fracassos inerentes ao empreendedorismo, a resiliência é crucial para superar obstáculos e seguir adiante, aprendendo com as experiências.</a:t>
+            </a:r>
+            <a:endParaRPr lang="en-US">
+              <a:sym typeface="+mn-ea"/>
+            </a:endParaRPr>
+          </a:p>
+          <a:p>
+            <a:pPr algn="l"/>
+            <a:endParaRPr lang="en-US">
+              <a:sym typeface="+mn-ea"/>
+            </a:endParaRPr>
+          </a:p>
+          <a:p>
+            <a:pPr algn="l"/>
+            <a:r>
+              <a:rPr lang="en-US">
+                <a:sym typeface="+mn-ea"/>
+              </a:rPr>
+              <a:t>Autoconfiança e Autoestima: Acreditar em si mesmo e em suas habilidades é essencial para enfrentar riscos, tomar decisões assertivas e manter a motivação ao longo do desafiante caminho empreendedor.</a:t>
+            </a:r>
+            <a:endParaRPr lang="en-US">
+              <a:sym typeface="+mn-ea"/>
+            </a:endParaRPr>
+          </a:p>
+          <a:p>
+            <a:endParaRPr lang="en-US"/>
+          </a:p>
+        </p:txBody>
+      </p:sp>
+    </p:spTree>
+  </p:cSld>
+  <p:clrMapOvr>
+    <a:masterClrMapping/>
+  </p:clrMapOvr>
+</p:sld>
+</file>
+
+<file path=ppt/slides/slide8.xml><?xml version="1.0" encoding="utf-8"?>
+<p:sld xmlns:a="http://schemas.openxmlformats.org/drawingml/2006/main" xmlns:r="http://schemas.openxmlformats.org/officeDocument/2006/relationships" xmlns:p="http://schemas.openxmlformats.org/presentationml/2006/main">
+  <p:cSld>
+    <p:bg>
+      <p:bgPr>
+        <a:blipFill>
+          <a:blip r:embed="rId1"/>
+          <a:stretch>
+            <a:fillRect/>
+          </a:stretch>
+        </a:blipFill>
+        <a:effectLst/>
+      </p:bgPr>
+    </p:bg>
+    <p:spTree>
+      <p:nvGrpSpPr>
+        <p:cNvPr id="1" name=""/>
+        <p:cNvGrpSpPr/>
+        <p:nvPr/>
+      </p:nvGrpSpPr>
+      <p:grpSpPr/>
+      <p:pic>
+        <p:nvPicPr>
+          <p:cNvPr id="4" name="Picture 3" descr="background"/>
+          <p:cNvPicPr>
+            <a:picLocks noChangeAspect="1"/>
+          </p:cNvPicPr>
+          <p:nvPr/>
+        </p:nvPicPr>
+        <p:blipFill>
+          <a:blip r:embed="rId1"/>
+          <a:stretch>
+            <a:fillRect/>
+          </a:stretch>
+        </p:blipFill>
+        <p:spPr>
+          <a:xfrm>
+            <a:off x="0" y="0"/>
+            <a:ext cx="12191365" cy="6858000"/>
+          </a:xfrm>
+          <a:prstGeom prst="rect">
+            <a:avLst/>
+          </a:prstGeom>
+        </p:spPr>
+      </p:pic>
+      <p:sp>
+        <p:nvSpPr>
+          <p:cNvPr id="2" name="Text Box 1"/>
+          <p:cNvSpPr txBox="1"/>
+          <p:nvPr/>
+        </p:nvSpPr>
+        <p:spPr>
+          <a:xfrm>
+            <a:off x="-1270" y="0"/>
+            <a:ext cx="12192635" cy="3692525"/>
+          </a:xfrm>
+          <a:prstGeom prst="rect">
+            <a:avLst/>
+          </a:prstGeom>
+          <a:noFill/>
+        </p:spPr>
+        <p:txBody>
+          <a:bodyPr wrap="square" rtlCol="0">
+            <a:spAutoFit/>
+          </a:bodyPr>
+          <a:p>
+            <a:pPr algn="l"/>
+            <a:r>
+              <a:rPr lang="pt-PT" altLang="en-US">
+                <a:sym typeface="+mn-ea"/>
+              </a:rPr>
+              <a:t>          </a:t>
+            </a:r>
+            <a:r>
+              <a:rPr lang="en-US">
+                <a:sym typeface="+mn-ea"/>
+              </a:rPr>
+              <a:t>Caracteristicas do empreendedor: habilidades, atitudes e caracteristicas dos empreendedores</a:t>
+            </a:r>
+            <a:endParaRPr lang="en-US"/>
+          </a:p>
+          <a:p>
+            <a:pPr algn="l"/>
+            <a:endParaRPr lang="en-US"/>
+          </a:p>
+          <a:p>
+            <a:pPr algn="l"/>
+            <a:r>
+              <a:rPr lang="en-US">
+                <a:sym typeface="+mn-ea"/>
+              </a:rPr>
+              <a:t>Características Pessoais:</a:t>
+            </a:r>
+            <a:endParaRPr lang="en-US">
+              <a:sym typeface="+mn-ea"/>
+            </a:endParaRPr>
+          </a:p>
+          <a:p>
+            <a:pPr algn="l"/>
+            <a:endParaRPr lang="en-US">
+              <a:sym typeface="+mn-ea"/>
+            </a:endParaRPr>
+          </a:p>
+          <a:p>
+            <a:pPr algn="l"/>
+            <a:r>
+              <a:rPr lang="en-US">
+                <a:sym typeface="+mn-ea"/>
+              </a:rPr>
+              <a:t>Criatividade e Inovação: Desenvolver a capacidade de pensar fora da caixa e encontrar soluções originais impulsiona a criação de produtos e serviços distintos.</a:t>
+            </a:r>
+            <a:endParaRPr lang="en-US">
+              <a:sym typeface="+mn-ea"/>
+            </a:endParaRPr>
+          </a:p>
+          <a:p>
+            <a:pPr algn="l"/>
+            <a:endParaRPr lang="en-US">
+              <a:sym typeface="+mn-ea"/>
+            </a:endParaRPr>
+          </a:p>
+          <a:p>
+            <a:pPr algn="l"/>
+            <a:r>
+              <a:rPr lang="en-US">
+                <a:sym typeface="+mn-ea"/>
+              </a:rPr>
+              <a:t>Liderança: A habilidade de influenciar e motivar outras pessoas é essencial. Líderes eficazes inspiram equipes e conduzem o negócio em direção aos seus objetivos.</a:t>
+            </a:r>
+            <a:endParaRPr lang="en-US">
+              <a:sym typeface="+mn-ea"/>
+            </a:endParaRPr>
+          </a:p>
+          <a:p>
+            <a:pPr algn="l"/>
+            <a:endParaRPr lang="en-US">
+              <a:sym typeface="+mn-ea"/>
+            </a:endParaRPr>
+          </a:p>
+          <a:p>
+            <a:pPr algn="l"/>
+            <a:r>
+              <a:rPr lang="en-US">
+                <a:sym typeface="+mn-ea"/>
+              </a:rPr>
+              <a:t>Networking: Construir relacionamentos profissionais é crucial para oportunidades de negócios. Um sólido networking facilita parcerias, aprendizado mútuo e acesso a recursos valiosos.</a:t>
+            </a:r>
+            <a:endParaRPr lang="en-US">
+              <a:sym typeface="+mn-ea"/>
+            </a:endParaRPr>
+          </a:p>
+          <a:p>
+            <a:endParaRPr lang="en-US"/>
+          </a:p>
+        </p:txBody>
+      </p:sp>
+    </p:spTree>
+  </p:cSld>
+  <p:clrMapOvr>
+    <a:masterClrMapping/>
+  </p:clrMapOvr>
+</p:sld>
+</file>
+
+<file path=ppt/slides/slide9.xml><?xml version="1.0" encoding="utf-8"?>
+<p:sld xmlns:a="http://schemas.openxmlformats.org/drawingml/2006/main" xmlns:r="http://schemas.openxmlformats.org/officeDocument/2006/relationships" xmlns:p="http://schemas.openxmlformats.org/presentationml/2006/main">
+  <p:cSld>
+    <p:bg>
+      <p:bgPr>
+        <a:blipFill>
+          <a:blip r:embed="rId1"/>
+          <a:stretch>
+            <a:fillRect/>
+          </a:stretch>
+        </a:blipFill>
+        <a:effectLst/>
+      </p:bgPr>
+    </p:bg>
+    <p:spTree>
+      <p:nvGrpSpPr>
+        <p:cNvPr id="1" name=""/>
+        <p:cNvGrpSpPr/>
+        <p:nvPr/>
+      </p:nvGrpSpPr>
+      <p:grpSpPr/>
+      <p:pic>
+        <p:nvPicPr>
+          <p:cNvPr id="4" name="Picture 3" descr="background"/>
+          <p:cNvPicPr>
+            <a:picLocks noChangeAspect="1"/>
+          </p:cNvPicPr>
+          <p:nvPr/>
+        </p:nvPicPr>
+        <p:blipFill>
+          <a:blip r:embed="rId1"/>
+          <a:stretch>
+            <a:fillRect/>
+          </a:stretch>
+        </p:blipFill>
+        <p:spPr>
+          <a:xfrm>
+            <a:off x="0" y="0"/>
+            <a:ext cx="12191365" cy="6858000"/>
+          </a:xfrm>
+          <a:prstGeom prst="rect">
+            <a:avLst/>
+          </a:prstGeom>
+        </p:spPr>
+      </p:pic>
+      <p:sp>
+        <p:nvSpPr>
+          <p:cNvPr id="2" name="Text Box 1"/>
+          <p:cNvSpPr txBox="1"/>
+          <p:nvPr/>
+        </p:nvSpPr>
+        <p:spPr>
+          <a:xfrm>
+            <a:off x="0" y="0"/>
+            <a:ext cx="12192635" cy="3692525"/>
+          </a:xfrm>
+          <a:prstGeom prst="rect">
+            <a:avLst/>
+          </a:prstGeom>
+          <a:noFill/>
+        </p:spPr>
+        <p:txBody>
+          <a:bodyPr wrap="square" rtlCol="0">
+            <a:spAutoFit/>
+          </a:bodyPr>
+          <a:p>
+            <a:pPr algn="l"/>
+            <a:r>
+              <a:rPr lang="pt-PT" altLang="en-US">
+                <a:sym typeface="+mn-ea"/>
+              </a:rPr>
+              <a:t>           </a:t>
+            </a:r>
+            <a:r>
+              <a:rPr lang="en-US">
+                <a:sym typeface="+mn-ea"/>
+              </a:rPr>
+              <a:t>Caracteristicas do empreendedor: habilidades, atitudes e caracteristicas dos empreendedores</a:t>
+            </a:r>
+            <a:endParaRPr lang="en-US"/>
+          </a:p>
+          <a:p>
+            <a:pPr algn="l"/>
+            <a:endParaRPr lang="en-US"/>
+          </a:p>
+          <a:p>
+            <a:pPr algn="l"/>
+            <a:endParaRPr lang="en-US">
+              <a:sym typeface="+mn-ea"/>
+            </a:endParaRPr>
+          </a:p>
+          <a:p>
+            <a:pPr algn="l"/>
+            <a:r>
+              <a:rPr lang="en-US">
+                <a:sym typeface="+mn-ea"/>
+              </a:rPr>
+              <a:t>Desenvolvimento de Negócios:</a:t>
+            </a:r>
+            <a:endParaRPr lang="en-US">
+              <a:sym typeface="+mn-ea"/>
+            </a:endParaRPr>
+          </a:p>
+          <a:p>
+            <a:pPr algn="l"/>
+            <a:endParaRPr lang="en-US">
+              <a:sym typeface="+mn-ea"/>
+            </a:endParaRPr>
+          </a:p>
+          <a:p>
+            <a:pPr algn="l"/>
+            <a:r>
+              <a:rPr lang="en-US">
+                <a:sym typeface="+mn-ea"/>
+              </a:rPr>
+              <a:t>Identificação de Oportunidades: Habilidade para identificar nichos de mercado e necessidades não atendidas, formando a base para inovações e diferenciação no negócio.</a:t>
+            </a:r>
+            <a:endParaRPr lang="en-US">
+              <a:sym typeface="+mn-ea"/>
+            </a:endParaRPr>
+          </a:p>
+          <a:p>
+            <a:pPr algn="l"/>
+            <a:endParaRPr lang="en-US">
+              <a:sym typeface="+mn-ea"/>
+            </a:endParaRPr>
+          </a:p>
+          <a:p>
+            <a:pPr algn="l"/>
+            <a:r>
+              <a:rPr lang="en-US">
+                <a:sym typeface="+mn-ea"/>
+              </a:rPr>
+              <a:t>Planejamento Estratégico: Capacidade de criar planos de negócios sólidos e estratégias bem definidas, delineando metas e direcionando eficazmente o desenvolvimento e crescimento da empresa.</a:t>
+            </a:r>
+            <a:endParaRPr lang="en-US">
+              <a:sym typeface="+mn-ea"/>
+            </a:endParaRPr>
+          </a:p>
+          <a:p>
+            <a:pPr algn="l"/>
+            <a:endParaRPr lang="en-US">
+              <a:sym typeface="+mn-ea"/>
+            </a:endParaRPr>
+          </a:p>
+          <a:p>
+            <a:pPr algn="l"/>
+            <a:r>
+              <a:rPr lang="en-US">
+                <a:sym typeface="+mn-ea"/>
+              </a:rPr>
+              <a:t>Gestão Financeira: Compreensão profunda de conceitos como fluxo de caixa, investimentos e orçamento. Isso permite uma administração financeira eficiente, vital para a sustentabilidade e sucesso a longo prazo do negócio.</a:t>
+            </a:r>
+            <a:endParaRPr lang="en-US">
+              <a:sym typeface="+mn-ea"/>
+            </a:endParaRPr>
+          </a:p>
+        </p:txBody>
+      </p:sp>
     </p:spTree>
   </p:cSld>
   <p:clrMapOvr>
